--- a/Presentation/Presentation Final.pptx
+++ b/Presentation/Presentation Final.pptx
@@ -8055,36 +8055,68 @@
           </a:p>
         </p:txBody>
       </p:sp>
-      <p:sp>
-        <p:nvSpPr>
-          <p:cNvPr id="9" name="Content Placeholder 8">
+      <p:pic>
+        <p:nvPicPr>
+          <p:cNvPr id="3" name="Content Placeholder 2">
             <a:extLst>
               <a:ext uri="{FF2B5EF4-FFF2-40B4-BE49-F238E27FC236}">
-                <a16:creationId xmlns:a16="http://schemas.microsoft.com/office/drawing/2014/main" id="{88F5A460-28CC-42D0-90DE-5584D3E0E6B1}"/>
+                <a16:creationId xmlns:a16="http://schemas.microsoft.com/office/drawing/2014/main" id="{FEECC655-FC5A-4ACA-9E8C-D178433C363B}"/>
               </a:ext>
             </a:extLst>
           </p:cNvPr>
-          <p:cNvSpPr>
-            <a:spLocks noGrp="1"/>
-          </p:cNvSpPr>
+          <p:cNvPicPr>
+            <a:picLocks noGrp="1" noChangeAspect="1"/>
+          </p:cNvPicPr>
           <p:nvPr>
             <p:ph idx="1"/>
           </p:nvPr>
-        </p:nvSpPr>
+        </p:nvPicPr>
+        <p:blipFill>
+          <a:blip r:embed="rId2"/>
+          <a:stretch>
+            <a:fillRect/>
+          </a:stretch>
+        </p:blipFill>
         <p:spPr>
           <a:xfrm>
-            <a:off x="1344985" y="1874517"/>
-            <a:ext cx="10178322" cy="4330340"/>
+            <a:off x="1446926" y="2370007"/>
+            <a:ext cx="5009858" cy="3339905"/>
           </a:xfrm>
+          <a:prstGeom prst="rect">
+            <a:avLst/>
+          </a:prstGeom>
         </p:spPr>
-        <p:txBody>
-          <a:bodyPr/>
-          <a:lstStyle/>
-          <a:p>
-            <a:endParaRPr lang="en-US" dirty="0"/>
-          </a:p>
-        </p:txBody>
-      </p:sp>
+      </p:pic>
+      <p:pic>
+        <p:nvPicPr>
+          <p:cNvPr id="4" name="Picture 3">
+            <a:extLst>
+              <a:ext uri="{FF2B5EF4-FFF2-40B4-BE49-F238E27FC236}">
+                <a16:creationId xmlns:a16="http://schemas.microsoft.com/office/drawing/2014/main" id="{D7C33DA3-7D01-476D-9CF9-BF03785ED74E}"/>
+              </a:ext>
+            </a:extLst>
+          </p:cNvPr>
+          <p:cNvPicPr>
+            <a:picLocks noChangeAspect="1"/>
+          </p:cNvPicPr>
+          <p:nvPr/>
+        </p:nvPicPr>
+        <p:blipFill>
+          <a:blip r:embed="rId3"/>
+          <a:stretch>
+            <a:fillRect/>
+          </a:stretch>
+        </p:blipFill>
+        <p:spPr>
+          <a:xfrm>
+            <a:off x="6644029" y="2370007"/>
+            <a:ext cx="5009858" cy="3339905"/>
+          </a:xfrm>
+          <a:prstGeom prst="rect">
+            <a:avLst/>
+          </a:prstGeom>
+        </p:spPr>
+      </p:pic>
     </p:spTree>
     <p:extLst>
       <p:ext uri="{BB962C8B-B14F-4D97-AF65-F5344CB8AC3E}">

--- a/Presentation/Presentation Final.pptx
+++ b/Presentation/Presentation Final.pptx
@@ -5,18 +5,19 @@
     <p:sldMasterId id="2147483672" r:id="rId1"/>
   </p:sldMasterIdLst>
   <p:notesMasterIdLst>
-    <p:notesMasterId r:id="rId11"/>
+    <p:notesMasterId r:id="rId12"/>
   </p:notesMasterIdLst>
   <p:sldIdLst>
     <p:sldId id="256" r:id="rId2"/>
     <p:sldId id="258" r:id="rId3"/>
-    <p:sldId id="261" r:id="rId4"/>
-    <p:sldId id="262" r:id="rId5"/>
-    <p:sldId id="263" r:id="rId6"/>
-    <p:sldId id="264" r:id="rId7"/>
-    <p:sldId id="265" r:id="rId8"/>
-    <p:sldId id="260" r:id="rId9"/>
-    <p:sldId id="259" r:id="rId10"/>
+    <p:sldId id="259" r:id="rId4"/>
+    <p:sldId id="266" r:id="rId5"/>
+    <p:sldId id="262" r:id="rId6"/>
+    <p:sldId id="261" r:id="rId7"/>
+    <p:sldId id="263" r:id="rId8"/>
+    <p:sldId id="264" r:id="rId9"/>
+    <p:sldId id="265" r:id="rId10"/>
+    <p:sldId id="260" r:id="rId11"/>
   </p:sldIdLst>
   <p:sldSz cx="12192000" cy="6858000"/>
   <p:notesSz cx="6858000" cy="9144000"/>
@@ -205,7 +206,7 @@
           <a:p>
             <a:fld id="{6E554808-88C7-424C-BD76-EC932415B0A9}" type="datetimeFigureOut">
               <a:rPr lang="en-US" smtClean="0"/>
-              <a:t>12/11/2018</a:t>
+              <a:t>12/13/2018</a:t>
             </a:fld>
             <a:endParaRPr lang="en-US"/>
           </a:p>
@@ -537,7 +538,7 @@
           <a:p>
             <a:fld id="{284694F9-182F-4ACD-ABF1-4A1202476FB8}" type="slidenum">
               <a:rPr lang="en-US" smtClean="0"/>
-              <a:t>3</a:t>
+              <a:t>6</a:t>
             </a:fld>
             <a:endParaRPr lang="en-US"/>
           </a:p>
@@ -621,7 +622,91 @@
           <a:p>
             <a:fld id="{284694F9-182F-4ACD-ABF1-4A1202476FB8}" type="slidenum">
               <a:rPr lang="en-US" smtClean="0"/>
-              <a:t>6</a:t>
+              <a:t>7</a:t>
+            </a:fld>
+            <a:endParaRPr lang="en-US"/>
+          </a:p>
+        </p:txBody>
+      </p:sp>
+    </p:spTree>
+    <p:extLst>
+      <p:ext uri="{BB962C8B-B14F-4D97-AF65-F5344CB8AC3E}">
+        <p14:creationId xmlns:p14="http://schemas.microsoft.com/office/powerpoint/2010/main" val="2695086909"/>
+      </p:ext>
+    </p:extLst>
+  </p:cSld>
+  <p:clrMapOvr>
+    <a:masterClrMapping/>
+  </p:clrMapOvr>
+</p:notes>
+</file>
+
+<file path=ppt/notesSlides/notesSlide3.xml><?xml version="1.0" encoding="utf-8"?>
+<p:notes xmlns:a="http://schemas.openxmlformats.org/drawingml/2006/main" xmlns:r="http://schemas.openxmlformats.org/officeDocument/2006/relationships" xmlns:p="http://schemas.openxmlformats.org/presentationml/2006/main">
+  <p:cSld>
+    <p:spTree>
+      <p:nvGrpSpPr>
+        <p:cNvPr id="1" name=""/>
+        <p:cNvGrpSpPr/>
+        <p:nvPr/>
+      </p:nvGrpSpPr>
+      <p:grpSpPr>
+        <a:xfrm>
+          <a:off x="0" y="0"/>
+          <a:ext cx="0" cy="0"/>
+          <a:chOff x="0" y="0"/>
+          <a:chExt cx="0" cy="0"/>
+        </a:xfrm>
+      </p:grpSpPr>
+      <p:sp>
+        <p:nvSpPr>
+          <p:cNvPr id="2" name="Slide Image Placeholder 1"/>
+          <p:cNvSpPr>
+            <a:spLocks noGrp="1" noRot="1" noChangeAspect="1"/>
+          </p:cNvSpPr>
+          <p:nvPr>
+            <p:ph type="sldImg"/>
+          </p:nvPr>
+        </p:nvSpPr>
+        <p:spPr/>
+      </p:sp>
+      <p:sp>
+        <p:nvSpPr>
+          <p:cNvPr id="3" name="Notes Placeholder 2"/>
+          <p:cNvSpPr>
+            <a:spLocks noGrp="1"/>
+          </p:cNvSpPr>
+          <p:nvPr>
+            <p:ph type="body" idx="1"/>
+          </p:nvPr>
+        </p:nvSpPr>
+        <p:spPr/>
+        <p:txBody>
+          <a:bodyPr/>
+          <a:lstStyle/>
+          <a:p>
+            <a:endParaRPr lang="en-US" dirty="0"/>
+          </a:p>
+        </p:txBody>
+      </p:sp>
+      <p:sp>
+        <p:nvSpPr>
+          <p:cNvPr id="4" name="Slide Number Placeholder 3"/>
+          <p:cNvSpPr>
+            <a:spLocks noGrp="1"/>
+          </p:cNvSpPr>
+          <p:nvPr>
+            <p:ph type="sldNum" sz="quarter" idx="5"/>
+          </p:nvPr>
+        </p:nvSpPr>
+        <p:spPr/>
+        <p:txBody>
+          <a:bodyPr/>
+          <a:lstStyle/>
+          <a:p>
+            <a:fld id="{284694F9-182F-4ACD-ABF1-4A1202476FB8}" type="slidenum">
+              <a:rPr lang="en-US" smtClean="0"/>
+              <a:t>8</a:t>
             </a:fld>
             <a:endParaRPr lang="en-US"/>
           </a:p>
@@ -1851,7 +1936,7 @@
           <a:p>
             <a:fld id="{6505AABB-3B19-1144-8AE3-F675863CED4F}" type="datetimeFigureOut">
               <a:rPr lang="en-US" smtClean="0"/>
-              <a:t>12/11/2018</a:t>
+              <a:t>12/13/2018</a:t>
             </a:fld>
             <a:endParaRPr lang="en-US"/>
           </a:p>
@@ -2089,7 +2174,7 @@
           <a:p>
             <a:fld id="{6505AABB-3B19-1144-8AE3-F675863CED4F}" type="datetimeFigureOut">
               <a:rPr lang="en-US" smtClean="0"/>
-              <a:t>12/11/2018</a:t>
+              <a:t>12/13/2018</a:t>
             </a:fld>
             <a:endParaRPr lang="en-US"/>
           </a:p>
@@ -2269,7 +2354,7 @@
           <a:p>
             <a:fld id="{6505AABB-3B19-1144-8AE3-F675863CED4F}" type="datetimeFigureOut">
               <a:rPr lang="en-US" smtClean="0"/>
-              <a:t>12/11/2018</a:t>
+              <a:t>12/13/2018</a:t>
             </a:fld>
             <a:endParaRPr lang="en-US"/>
           </a:p>
@@ -2439,7 +2524,7 @@
           <a:p>
             <a:fld id="{6505AABB-3B19-1144-8AE3-F675863CED4F}" type="datetimeFigureOut">
               <a:rPr lang="en-US" smtClean="0"/>
-              <a:t>12/11/2018</a:t>
+              <a:t>12/13/2018</a:t>
             </a:fld>
             <a:endParaRPr lang="en-US"/>
           </a:p>
@@ -2712,7 +2797,7 @@
           <a:p>
             <a:fld id="{6505AABB-3B19-1144-8AE3-F675863CED4F}" type="datetimeFigureOut">
               <a:rPr lang="en-US" smtClean="0"/>
-              <a:t>12/11/2018</a:t>
+              <a:t>12/13/2018</a:t>
             </a:fld>
             <a:endParaRPr lang="en-US"/>
           </a:p>
@@ -3913,7 +3998,7 @@
           <a:p>
             <a:fld id="{6505AABB-3B19-1144-8AE3-F675863CED4F}" type="datetimeFigureOut">
               <a:rPr lang="en-US" smtClean="0"/>
-              <a:t>12/11/2018</a:t>
+              <a:t>12/13/2018</a:t>
             </a:fld>
             <a:endParaRPr lang="en-US"/>
           </a:p>
@@ -4303,7 +4388,7 @@
           <a:p>
             <a:fld id="{6505AABB-3B19-1144-8AE3-F675863CED4F}" type="datetimeFigureOut">
               <a:rPr lang="en-US" smtClean="0"/>
-              <a:t>12/11/2018</a:t>
+              <a:t>12/13/2018</a:t>
             </a:fld>
             <a:endParaRPr lang="en-US"/>
           </a:p>
@@ -4426,7 +4511,7 @@
           <a:p>
             <a:fld id="{6505AABB-3B19-1144-8AE3-F675863CED4F}" type="datetimeFigureOut">
               <a:rPr lang="en-US" smtClean="0"/>
-              <a:t>12/11/2018</a:t>
+              <a:t>12/13/2018</a:t>
             </a:fld>
             <a:endParaRPr lang="en-US"/>
           </a:p>
@@ -4521,7 +4606,7 @@
           <a:p>
             <a:fld id="{6505AABB-3B19-1144-8AE3-F675863CED4F}" type="datetimeFigureOut">
               <a:rPr lang="en-US" smtClean="0"/>
-              <a:t>12/11/2018</a:t>
+              <a:t>12/13/2018</a:t>
             </a:fld>
             <a:endParaRPr lang="en-US"/>
           </a:p>
@@ -5284,7 +5369,7 @@
           <a:p>
             <a:fld id="{6505AABB-3B19-1144-8AE3-F675863CED4F}" type="datetimeFigureOut">
               <a:rPr lang="en-US" smtClean="0"/>
-              <a:t>12/11/2018</a:t>
+              <a:t>12/13/2018</a:t>
             </a:fld>
             <a:endParaRPr lang="en-US"/>
           </a:p>
@@ -6124,7 +6209,7 @@
           <a:p>
             <a:fld id="{6505AABB-3B19-1144-8AE3-F675863CED4F}" type="datetimeFigureOut">
               <a:rPr lang="en-US" smtClean="0"/>
-              <a:t>12/11/2018</a:t>
+              <a:t>12/13/2018</a:t>
             </a:fld>
             <a:endParaRPr lang="en-US"/>
           </a:p>
@@ -6351,7 +6436,7 @@
           <a:p>
             <a:fld id="{6505AABB-3B19-1144-8AE3-F675863CED4F}" type="datetimeFigureOut">
               <a:rPr lang="en-US" smtClean="0"/>
-              <a:t>12/11/2018</a:t>
+              <a:t>12/13/2018</a:t>
             </a:fld>
             <a:endParaRPr lang="en-US"/>
           </a:p>
@@ -7447,6 +7532,133 @@
 </p:sld>
 </file>
 
+<file path=ppt/slides/slide10.xml><?xml version="1.0" encoding="utf-8"?>
+<p:sld xmlns:a="http://schemas.openxmlformats.org/drawingml/2006/main" xmlns:r="http://schemas.openxmlformats.org/officeDocument/2006/relationships" xmlns:p="http://schemas.openxmlformats.org/presentationml/2006/main">
+  <p:cSld>
+    <p:spTree>
+      <p:nvGrpSpPr>
+        <p:cNvPr id="1" name=""/>
+        <p:cNvGrpSpPr/>
+        <p:nvPr/>
+      </p:nvGrpSpPr>
+      <p:grpSpPr>
+        <a:xfrm>
+          <a:off x="0" y="0"/>
+          <a:ext cx="0" cy="0"/>
+          <a:chOff x="0" y="0"/>
+          <a:chExt cx="0" cy="0"/>
+        </a:xfrm>
+      </p:grpSpPr>
+      <p:sp>
+        <p:nvSpPr>
+          <p:cNvPr id="2" name="Title 1">
+            <a:extLst>
+              <a:ext uri="{FF2B5EF4-FFF2-40B4-BE49-F238E27FC236}">
+                <a16:creationId xmlns:a16="http://schemas.microsoft.com/office/drawing/2014/main" id="{9203078C-7E32-B241-8FF1-8013DBA677E4}"/>
+              </a:ext>
+            </a:extLst>
+          </p:cNvPr>
+          <p:cNvSpPr>
+            <a:spLocks noGrp="1"/>
+          </p:cNvSpPr>
+          <p:nvPr>
+            <p:ph type="title"/>
+          </p:nvPr>
+        </p:nvSpPr>
+        <p:spPr/>
+        <p:txBody>
+          <a:bodyPr/>
+          <a:lstStyle/>
+          <a:p>
+            <a:r>
+              <a:rPr lang="en-US" dirty="0"/>
+              <a:t>Conclusions!</a:t>
+            </a:r>
+          </a:p>
+        </p:txBody>
+      </p:sp>
+      <p:sp>
+        <p:nvSpPr>
+          <p:cNvPr id="3" name="Content Placeholder 2">
+            <a:extLst>
+              <a:ext uri="{FF2B5EF4-FFF2-40B4-BE49-F238E27FC236}">
+                <a16:creationId xmlns:a16="http://schemas.microsoft.com/office/drawing/2014/main" id="{26CD1200-0551-8D4B-B6E2-1F353CAC3130}"/>
+              </a:ext>
+            </a:extLst>
+          </p:cNvPr>
+          <p:cNvSpPr>
+            <a:spLocks noGrp="1"/>
+          </p:cNvSpPr>
+          <p:nvPr>
+            <p:ph idx="1"/>
+          </p:nvPr>
+        </p:nvSpPr>
+        <p:spPr/>
+        <p:txBody>
+          <a:bodyPr/>
+          <a:lstStyle/>
+          <a:p>
+            <a:r>
+              <a:rPr lang="en-US" dirty="0"/>
+              <a:t>For the vast majority of Austin zip codes, the income has increased from 2011-2016.</a:t>
+            </a:r>
+          </a:p>
+          <a:p>
+            <a:r>
+              <a:rPr lang="en-US" dirty="0"/>
+              <a:t>For the majority of the zip codes in all of Austin, crime rates decreased from 2011-2016.</a:t>
+            </a:r>
+          </a:p>
+          <a:p>
+            <a:r>
+              <a:rPr lang="en-US" dirty="0"/>
+              <a:t>There is no significant correlation between the age/population and income.</a:t>
+            </a:r>
+          </a:p>
+          <a:p>
+            <a:r>
+              <a:rPr lang="en-US" dirty="0"/>
+              <a:t>Neither age nor population have a significant effect on crime.</a:t>
+            </a:r>
+          </a:p>
+          <a:p>
+            <a:r>
+              <a:rPr lang="en-US" dirty="0"/>
+              <a:t>There is a certain degree of correlation between income and crime.</a:t>
+            </a:r>
+          </a:p>
+          <a:p>
+            <a:endParaRPr lang="en-US" dirty="0"/>
+          </a:p>
+          <a:p>
+            <a:pPr marL="0" indent="0">
+              <a:buNone/>
+            </a:pPr>
+            <a:r>
+              <a:rPr lang="en-US" b="1" i="1" dirty="0">
+                <a:latin typeface="Cambria" panose="02040503050406030204" pitchFamily="18" charset="0"/>
+              </a:rPr>
+              <a:t>For future research, deeper investigation can be taken to research different types of crime in zip codes.</a:t>
+            </a:r>
+          </a:p>
+          <a:p>
+            <a:endParaRPr lang="en-US" dirty="0"/>
+          </a:p>
+        </p:txBody>
+      </p:sp>
+    </p:spTree>
+    <p:extLst>
+      <p:ext uri="{BB962C8B-B14F-4D97-AF65-F5344CB8AC3E}">
+        <p14:creationId xmlns:p14="http://schemas.microsoft.com/office/powerpoint/2010/main" val="2984794533"/>
+      </p:ext>
+    </p:extLst>
+  </p:cSld>
+  <p:clrMapOvr>
+    <a:masterClrMapping/>
+  </p:clrMapOvr>
+</p:sld>
+</file>
+
 <file path=ppt/slides/slide2.xml><?xml version="1.0" encoding="utf-8"?>
 <p:sld xmlns:a="http://schemas.openxmlformats.org/drawingml/2006/main" xmlns:r="http://schemas.openxmlformats.org/officeDocument/2006/relationships" xmlns:p="http://schemas.openxmlformats.org/presentationml/2006/main">
   <p:cSld>
@@ -7487,7 +7699,7 @@
           <a:p>
             <a:r>
               <a:rPr lang="en-US" dirty="0"/>
-              <a:t>Hypothesis</a:t>
+              <a:t>Hypothesis!</a:t>
             </a:r>
           </a:p>
         </p:txBody>
@@ -7520,7 +7732,7 @@
             </a:pPr>
             <a:r>
               <a:rPr lang="en-US" sz="4400" dirty="0"/>
-              <a:t>There is an inverse relationship between income and crime.</a:t>
+              <a:t>There is an inverse relationship between income and crime in the city of Austin, Texas.</a:t>
             </a:r>
           </a:p>
         </p:txBody>
@@ -7560,7 +7772,7 @@
           <p:cNvPr id="2" name="Title 1">
             <a:extLst>
               <a:ext uri="{FF2B5EF4-FFF2-40B4-BE49-F238E27FC236}">
-                <a16:creationId xmlns:a16="http://schemas.microsoft.com/office/drawing/2014/main" id="{65B0CD2F-98AF-4FBB-8386-62B2669CABFA}"/>
+                <a16:creationId xmlns:a16="http://schemas.microsoft.com/office/drawing/2014/main" id="{2413C71B-0B1F-704F-A683-0559479B9E5A}"/>
               </a:ext>
             </a:extLst>
           </p:cNvPr>
@@ -7573,55 +7785,57 @@
         </p:nvSpPr>
         <p:spPr/>
         <p:txBody>
-          <a:bodyPr>
-            <a:normAutofit fontScale="90000"/>
-          </a:bodyPr>
+          <a:bodyPr/>
           <a:lstStyle/>
           <a:p>
             <a:r>
-              <a:rPr lang="en-US" sz="4400" dirty="0"/>
-              <a:t>How have incomes changed by zip code from 2011 to 2016 (5 year look)?</a:t>
-            </a:r>
-            <a:br>
               <a:rPr lang="en-US" dirty="0"/>
-            </a:br>
-            <a:endParaRPr lang="en-US" dirty="0"/>
-          </a:p>
-        </p:txBody>
-      </p:sp>
-      <p:pic>
-        <p:nvPicPr>
-          <p:cNvPr id="9" name="Content Placeholder 8">
+              <a:t>Data Sources, Exploration and Analysis!</a:t>
+            </a:r>
+          </a:p>
+        </p:txBody>
+      </p:sp>
+      <p:sp>
+        <p:nvSpPr>
+          <p:cNvPr id="3" name="Content Placeholder 2">
             <a:extLst>
               <a:ext uri="{FF2B5EF4-FFF2-40B4-BE49-F238E27FC236}">
-                <a16:creationId xmlns:a16="http://schemas.microsoft.com/office/drawing/2014/main" id="{4B69C7E3-810F-4514-ADD2-40DD91557290}"/>
+                <a16:creationId xmlns:a16="http://schemas.microsoft.com/office/drawing/2014/main" id="{70DFB3EE-89A3-454D-857A-FA85A252BEB0}"/>
               </a:ext>
             </a:extLst>
           </p:cNvPr>
-          <p:cNvPicPr>
-            <a:picLocks noGrp="1" noChangeAspect="1"/>
-          </p:cNvPicPr>
+          <p:cNvSpPr>
+            <a:spLocks noGrp="1"/>
+          </p:cNvSpPr>
           <p:nvPr>
             <p:ph idx="1"/>
           </p:nvPr>
-        </p:nvPicPr>
-        <p:blipFill>
-          <a:blip r:embed="rId3"/>
-          <a:stretch>
-            <a:fillRect/>
-          </a:stretch>
-        </p:blipFill>
-        <p:spPr>
-          <a:xfrm>
-            <a:off x="1631302" y="1744825"/>
-            <a:ext cx="8929396" cy="4834488"/>
-          </a:xfrm>
-        </p:spPr>
-      </p:pic>
+        </p:nvSpPr>
+        <p:spPr/>
+        <p:txBody>
+          <a:bodyPr/>
+          <a:lstStyle/>
+          <a:p>
+            <a:r>
+              <a:rPr lang="en-US" sz="3600" dirty="0"/>
+              <a:t>Austintexas.gov (https://data.austintexas.gov/resource/mfej-x5pm.json)</a:t>
+            </a:r>
+          </a:p>
+          <a:p>
+            <a:r>
+              <a:rPr lang="en-US" sz="3600" dirty="0"/>
+              <a:t>Census (Census API)</a:t>
+            </a:r>
+          </a:p>
+          <a:p>
+            <a:endParaRPr lang="en-US" dirty="0"/>
+          </a:p>
+        </p:txBody>
+      </p:sp>
     </p:spTree>
     <p:extLst>
       <p:ext uri="{BB962C8B-B14F-4D97-AF65-F5344CB8AC3E}">
-        <p14:creationId xmlns:p14="http://schemas.microsoft.com/office/powerpoint/2010/main" val="2685615373"/>
+        <p14:creationId xmlns:p14="http://schemas.microsoft.com/office/powerpoint/2010/main" val="4182056592"/>
       </p:ext>
     </p:extLst>
   </p:cSld>
@@ -7653,7 +7867,7 @@
           <p:cNvPr id="2" name="Title 1">
             <a:extLst>
               <a:ext uri="{FF2B5EF4-FFF2-40B4-BE49-F238E27FC236}">
-                <a16:creationId xmlns:a16="http://schemas.microsoft.com/office/drawing/2014/main" id="{688CD32E-22DF-47FA-A779-FA4354E13180}"/>
+                <a16:creationId xmlns:a16="http://schemas.microsoft.com/office/drawing/2014/main" id="{C7C89ED9-2D51-4241-B67D-A43C0157F41F}"/>
               </a:ext>
             </a:extLst>
           </p:cNvPr>
@@ -7666,62 +7880,73 @@
         </p:nvSpPr>
         <p:spPr/>
         <p:txBody>
-          <a:bodyPr>
-            <a:normAutofit fontScale="90000"/>
-          </a:bodyPr>
+          <a:bodyPr/>
           <a:lstStyle/>
           <a:p>
-            <a:r>
-              <a:rPr lang="en-US" sz="4400" dirty="0"/>
-              <a:t>How have crime rates changed by zip code from 2011 to 2016? All of Austin</a:t>
-            </a:r>
+            <a:pPr algn="ctr"/>
             <a:r>
               <a:rPr lang="en-US" dirty="0"/>
-              <a:t>?</a:t>
-            </a:r>
-            <a:br>
-              <a:rPr lang="en-US" dirty="0"/>
-            </a:br>
-            <a:endParaRPr lang="en-US" dirty="0"/>
-          </a:p>
-        </p:txBody>
-      </p:sp>
-      <p:pic>
-        <p:nvPicPr>
-          <p:cNvPr id="8" name="Content Placeholder 7">
+              <a:t>Data exploration and clean up process!</a:t>
+            </a:r>
+          </a:p>
+        </p:txBody>
+      </p:sp>
+      <p:sp>
+        <p:nvSpPr>
+          <p:cNvPr id="3" name="Content Placeholder 2">
             <a:extLst>
               <a:ext uri="{FF2B5EF4-FFF2-40B4-BE49-F238E27FC236}">
-                <a16:creationId xmlns:a16="http://schemas.microsoft.com/office/drawing/2014/main" id="{C2BEDB17-77CD-4D41-92C2-863AC83978ED}"/>
+                <a16:creationId xmlns:a16="http://schemas.microsoft.com/office/drawing/2014/main" id="{BD89A1EB-CA74-41AE-B09D-625F8430DD05}"/>
               </a:ext>
             </a:extLst>
           </p:cNvPr>
-          <p:cNvPicPr>
-            <a:picLocks noGrp="1" noChangeAspect="1"/>
-          </p:cNvPicPr>
+          <p:cNvSpPr>
+            <a:spLocks noGrp="1"/>
+          </p:cNvSpPr>
           <p:nvPr>
             <p:ph idx="1"/>
           </p:nvPr>
-        </p:nvPicPr>
-        <p:blipFill>
-          <a:blip r:embed="rId2"/>
-          <a:stretch>
-            <a:fillRect/>
-          </a:stretch>
-        </p:blipFill>
-        <p:spPr>
-          <a:xfrm>
-            <a:off x="2220686" y="2024743"/>
-            <a:ext cx="7903028" cy="4162684"/>
-          </a:xfrm>
-          <a:prstGeom prst="rect">
-            <a:avLst/>
-          </a:prstGeom>
-        </p:spPr>
-      </p:pic>
+        </p:nvSpPr>
+        <p:spPr/>
+        <p:txBody>
+          <a:bodyPr/>
+          <a:lstStyle/>
+          <a:p>
+            <a:r>
+              <a:rPr lang="en-US" dirty="0"/>
+              <a:t>For census data, we used an API key to pull 2011 &amp; 2016 data by zip code.</a:t>
+            </a:r>
+          </a:p>
+          <a:p>
+            <a:r>
+              <a:rPr lang="en-US" dirty="0"/>
+              <a:t>For crime data, we filtered the CSV files to gather data for crimes that occurred in 2011 &amp; 2016.</a:t>
+            </a:r>
+          </a:p>
+          <a:p>
+            <a:r>
+              <a:rPr lang="en-US" dirty="0"/>
+              <a:t>Gathered the list of Austin zip codes from the crime data, used a for-loop to pull those zip codes from the census data.</a:t>
+            </a:r>
+          </a:p>
+          <a:p>
+            <a:r>
+              <a:rPr lang="en-US" dirty="0"/>
+              <a:t>Merged the years (2011 and 2016) into the same data frame.</a:t>
+            </a:r>
+          </a:p>
+          <a:p>
+            <a:r>
+              <a:rPr lang="en-US" dirty="0"/>
+              <a:t>For crime, we also counted the crimes per zip codes.</a:t>
+            </a:r>
+          </a:p>
+        </p:txBody>
+      </p:sp>
     </p:spTree>
     <p:extLst>
       <p:ext uri="{BB962C8B-B14F-4D97-AF65-F5344CB8AC3E}">
-        <p14:creationId xmlns:p14="http://schemas.microsoft.com/office/powerpoint/2010/main" val="2190197732"/>
+        <p14:creationId xmlns:p14="http://schemas.microsoft.com/office/powerpoint/2010/main" val="3690054305"/>
       </p:ext>
     </p:extLst>
   </p:cSld>
@@ -7753,7 +7978,7 @@
           <p:cNvPr id="2" name="Title 1">
             <a:extLst>
               <a:ext uri="{FF2B5EF4-FFF2-40B4-BE49-F238E27FC236}">
-                <a16:creationId xmlns:a16="http://schemas.microsoft.com/office/drawing/2014/main" id="{DA9B70CF-3314-453D-B2ED-FE8DC41EBD2C}"/>
+                <a16:creationId xmlns:a16="http://schemas.microsoft.com/office/drawing/2014/main" id="{688CD32E-22DF-47FA-A779-FA4354E13180}"/>
               </a:ext>
             </a:extLst>
           </p:cNvPr>
@@ -7772,8 +7997,12 @@
           <a:lstStyle/>
           <a:p>
             <a:r>
+              <a:rPr lang="en-US" sz="4400" dirty="0"/>
+              <a:t>How have crime rates changed by zip code from 2011 to 2016?! All of Austin</a:t>
+            </a:r>
+            <a:r>
               <a:rPr lang="en-US" dirty="0"/>
-              <a:t>Does Age or population have an affect on income? </a:t>
+              <a:t>?!</a:t>
             </a:r>
             <a:br>
               <a:rPr lang="en-US" dirty="0"/>
@@ -7784,10 +8013,10 @@
       </p:sp>
       <p:pic>
         <p:nvPicPr>
-          <p:cNvPr id="13" name="Content Placeholder 12">
+          <p:cNvPr id="5" name="Content Placeholder 4">
             <a:extLst>
               <a:ext uri="{FF2B5EF4-FFF2-40B4-BE49-F238E27FC236}">
-                <a16:creationId xmlns:a16="http://schemas.microsoft.com/office/drawing/2014/main" id="{A1D8D5D6-98AB-4B25-B97A-C73A60053F98}"/>
+                <a16:creationId xmlns:a16="http://schemas.microsoft.com/office/drawing/2014/main" id="{3335538B-FB8E-4D1F-A3D6-1BD3AAE96545}"/>
               </a:ext>
             </a:extLst>
           </p:cNvPr>
@@ -7806,38 +8035,8 @@
         </p:blipFill>
         <p:spPr>
           <a:xfrm>
-            <a:off x="857422" y="2472984"/>
-            <a:ext cx="5163933" cy="3442622"/>
-          </a:xfrm>
-          <a:prstGeom prst="rect">
-            <a:avLst/>
-          </a:prstGeom>
-        </p:spPr>
-      </p:pic>
-      <p:pic>
-        <p:nvPicPr>
-          <p:cNvPr id="14" name="Picture 13">
-            <a:extLst>
-              <a:ext uri="{FF2B5EF4-FFF2-40B4-BE49-F238E27FC236}">
-                <a16:creationId xmlns:a16="http://schemas.microsoft.com/office/drawing/2014/main" id="{A1DF626E-45DA-4B8F-A16D-608A0640AF78}"/>
-              </a:ext>
-            </a:extLst>
-          </p:cNvPr>
-          <p:cNvPicPr>
-            <a:picLocks noChangeAspect="1"/>
-          </p:cNvPicPr>
-          <p:nvPr/>
-        </p:nvPicPr>
-        <p:blipFill>
-          <a:blip r:embed="rId3"/>
-          <a:stretch>
-            <a:fillRect/>
-          </a:stretch>
-        </p:blipFill>
-        <p:spPr>
-          <a:xfrm>
-            <a:off x="6340839" y="2472983"/>
-            <a:ext cx="5163935" cy="3442623"/>
+            <a:off x="1586203" y="1874517"/>
+            <a:ext cx="9554547" cy="4601098"/>
           </a:xfrm>
           <a:prstGeom prst="rect">
             <a:avLst/>
@@ -7847,7 +8046,7 @@
     </p:spTree>
     <p:extLst>
       <p:ext uri="{BB962C8B-B14F-4D97-AF65-F5344CB8AC3E}">
-        <p14:creationId xmlns:p14="http://schemas.microsoft.com/office/powerpoint/2010/main" val="492709746"/>
+        <p14:creationId xmlns:p14="http://schemas.microsoft.com/office/powerpoint/2010/main" val="2190197732"/>
       </p:ext>
     </p:extLst>
   </p:cSld>
@@ -7879,7 +8078,7 @@
           <p:cNvPr id="2" name="Title 1">
             <a:extLst>
               <a:ext uri="{FF2B5EF4-FFF2-40B4-BE49-F238E27FC236}">
-                <a16:creationId xmlns:a16="http://schemas.microsoft.com/office/drawing/2014/main" id="{C8785C0E-4D33-4FF0-B79E-ACA047717F50}"/>
+                <a16:creationId xmlns:a16="http://schemas.microsoft.com/office/drawing/2014/main" id="{65B0CD2F-98AF-4FBB-8386-62B2669CABFA}"/>
               </a:ext>
             </a:extLst>
           </p:cNvPr>
@@ -7892,57 +8091,37 @@
         </p:nvSpPr>
         <p:spPr/>
         <p:txBody>
-          <a:bodyPr/>
+          <a:bodyPr>
+            <a:normAutofit fontScale="90000"/>
+          </a:bodyPr>
           <a:lstStyle/>
           <a:p>
             <a:r>
+              <a:rPr lang="en-US" sz="4400" dirty="0"/>
+              <a:t>How have incomes changed by zip code from 2011 to 2016 (5 year look)?!</a:t>
+            </a:r>
+            <a:br>
               <a:rPr lang="en-US" dirty="0"/>
-              <a:t>Does Age or population have an affect on crime? </a:t>
-            </a:r>
-          </a:p>
-        </p:txBody>
-      </p:sp>
-      <p:sp>
-        <p:nvSpPr>
-          <p:cNvPr id="9" name="Content Placeholder 8">
+            </a:br>
+            <a:endParaRPr lang="en-US" dirty="0"/>
+          </a:p>
+        </p:txBody>
+      </p:sp>
+      <p:pic>
+        <p:nvPicPr>
+          <p:cNvPr id="5" name="Content Placeholder 4">
             <a:extLst>
               <a:ext uri="{FF2B5EF4-FFF2-40B4-BE49-F238E27FC236}">
-                <a16:creationId xmlns:a16="http://schemas.microsoft.com/office/drawing/2014/main" id="{122FF42D-11B1-4C48-9927-7564679D659F}"/>
-              </a:ext>
-            </a:extLst>
-          </p:cNvPr>
-          <p:cNvSpPr>
-            <a:spLocks noGrp="1"/>
-          </p:cNvSpPr>
-          <p:nvPr>
-            <p:ph idx="1"/>
-          </p:nvPr>
-        </p:nvSpPr>
-        <p:spPr/>
-        <p:txBody>
-          <a:bodyPr/>
-          <a:lstStyle/>
-          <a:p>
-            <a:endParaRPr lang="en-US" dirty="0"/>
-          </a:p>
-          <a:p>
-            <a:endParaRPr lang="en-US" dirty="0"/>
-          </a:p>
-        </p:txBody>
-      </p:sp>
-      <p:pic>
-        <p:nvPicPr>
-          <p:cNvPr id="10" name="Picture 9">
-            <a:extLst>
-              <a:ext uri="{FF2B5EF4-FFF2-40B4-BE49-F238E27FC236}">
-                <a16:creationId xmlns:a16="http://schemas.microsoft.com/office/drawing/2014/main" id="{D4D04950-F47E-4409-828F-4DBD6EA4B799}"/>
+                <a16:creationId xmlns:a16="http://schemas.microsoft.com/office/drawing/2014/main" id="{153716DB-A469-4196-A8BB-889A1767C3BC}"/>
               </a:ext>
             </a:extLst>
           </p:cNvPr>
           <p:cNvPicPr>
-            <a:picLocks noChangeAspect="1"/>
+            <a:picLocks noGrp="1" noChangeAspect="1"/>
           </p:cNvPicPr>
-          <p:nvPr/>
+          <p:nvPr>
+            <p:ph idx="1"/>
+          </p:nvPr>
         </p:nvPicPr>
         <p:blipFill>
           <a:blip r:embed="rId3"/>
@@ -7952,38 +8131,8 @@
         </p:blipFill>
         <p:spPr>
           <a:xfrm>
-            <a:off x="1251678" y="2286001"/>
-            <a:ext cx="5045526" cy="3363684"/>
-          </a:xfrm>
-          <a:prstGeom prst="rect">
-            <a:avLst/>
-          </a:prstGeom>
-        </p:spPr>
-      </p:pic>
-      <p:pic>
-        <p:nvPicPr>
-          <p:cNvPr id="11" name="Picture 10">
-            <a:extLst>
-              <a:ext uri="{FF2B5EF4-FFF2-40B4-BE49-F238E27FC236}">
-                <a16:creationId xmlns:a16="http://schemas.microsoft.com/office/drawing/2014/main" id="{C5F90D1F-AE92-4A95-B038-2D0BAF8F6AC2}"/>
-              </a:ext>
-            </a:extLst>
-          </p:cNvPr>
-          <p:cNvPicPr>
-            <a:picLocks noChangeAspect="1"/>
-          </p:cNvPicPr>
-          <p:nvPr/>
-        </p:nvPicPr>
-        <p:blipFill>
-          <a:blip r:embed="rId4"/>
-          <a:stretch>
-            <a:fillRect/>
-          </a:stretch>
-        </p:blipFill>
-        <p:spPr>
-          <a:xfrm>
-            <a:off x="6550870" y="2286001"/>
-            <a:ext cx="5045526" cy="3363684"/>
+            <a:off x="1408922" y="1651519"/>
+            <a:ext cx="9937102" cy="5094514"/>
           </a:xfrm>
           <a:prstGeom prst="rect">
             <a:avLst/>
@@ -7993,7 +8142,7 @@
     </p:spTree>
     <p:extLst>
       <p:ext uri="{BB962C8B-B14F-4D97-AF65-F5344CB8AC3E}">
-        <p14:creationId xmlns:p14="http://schemas.microsoft.com/office/powerpoint/2010/main" val="3441358828"/>
+        <p14:creationId xmlns:p14="http://schemas.microsoft.com/office/powerpoint/2010/main" val="2685615373"/>
       </p:ext>
     </p:extLst>
   </p:cSld>
@@ -8025,7 +8174,7 @@
           <p:cNvPr id="2" name="Title 1">
             <a:extLst>
               <a:ext uri="{FF2B5EF4-FFF2-40B4-BE49-F238E27FC236}">
-                <a16:creationId xmlns:a16="http://schemas.microsoft.com/office/drawing/2014/main" id="{C9C8470F-689F-4A08-817F-3C4E8ECF9936}"/>
+                <a16:creationId xmlns:a16="http://schemas.microsoft.com/office/drawing/2014/main" id="{DA9B70CF-3314-453D-B2ED-FE8DC41EBD2C}"/>
               </a:ext>
             </a:extLst>
           </p:cNvPr>
@@ -8036,31 +8185,49 @@
             <p:ph type="title"/>
           </p:nvPr>
         </p:nvSpPr>
-        <p:spPr/>
+        <p:spPr>
+          <a:xfrm>
+            <a:off x="1222310" y="382384"/>
+            <a:ext cx="10207690" cy="1427755"/>
+          </a:xfrm>
+        </p:spPr>
         <p:txBody>
           <a:bodyPr>
             <a:normAutofit fontScale="90000"/>
           </a:bodyPr>
           <a:lstStyle/>
           <a:p>
-            <a:pPr algn="ctr"/>
-            <a:r>
-              <a:rPr lang="en-US" sz="4000" dirty="0"/>
-              <a:t>Is there a correlation between income rates (increase or decrease) and amount of crime? </a:t>
+            <a:r>
+              <a:rPr lang="en-US" dirty="0"/>
+              <a:t>Does Age or population have an affect on </a:t>
+            </a:r>
+            <a:r>
+              <a:rPr lang="en-US"/>
+              <a:t>income?! </a:t>
             </a:r>
             <a:br>
               <a:rPr lang="en-US" dirty="0"/>
             </a:br>
+            <a:br>
+              <a:rPr lang="en-US" dirty="0"/>
+            </a:br>
+            <a:r>
+              <a:rPr lang="en-US" sz="1200" dirty="0">
+                <a:latin typeface="Arial" panose="020B0604020202020204" pitchFamily="34" charset="0"/>
+                <a:cs typeface="Arial" panose="020B0604020202020204" pitchFamily="34" charset="0"/>
+              </a:rPr>
+              <a:t>.</a:t>
+            </a:r>
             <a:endParaRPr lang="en-US" dirty="0"/>
           </a:p>
         </p:txBody>
       </p:sp>
       <p:pic>
         <p:nvPicPr>
-          <p:cNvPr id="3" name="Content Placeholder 2">
+          <p:cNvPr id="13" name="Content Placeholder 12">
             <a:extLst>
               <a:ext uri="{FF2B5EF4-FFF2-40B4-BE49-F238E27FC236}">
-                <a16:creationId xmlns:a16="http://schemas.microsoft.com/office/drawing/2014/main" id="{FEECC655-FC5A-4ACA-9E8C-D178433C363B}"/>
+                <a16:creationId xmlns:a16="http://schemas.microsoft.com/office/drawing/2014/main" id="{A1D8D5D6-98AB-4B25-B97A-C73A60053F98}"/>
               </a:ext>
             </a:extLst>
           </p:cNvPr>
@@ -8072,15 +8239,15 @@
           </p:nvPr>
         </p:nvPicPr>
         <p:blipFill>
-          <a:blip r:embed="rId2"/>
+          <a:blip r:embed="rId3"/>
           <a:stretch>
             <a:fillRect/>
           </a:stretch>
         </p:blipFill>
         <p:spPr>
           <a:xfrm>
-            <a:off x="1446926" y="2370007"/>
-            <a:ext cx="5009858" cy="3339905"/>
+            <a:off x="932067" y="2776586"/>
+            <a:ext cx="5163933" cy="3442622"/>
           </a:xfrm>
           <a:prstGeom prst="rect">
             <a:avLst/>
@@ -8089,10 +8256,10 @@
       </p:pic>
       <p:pic>
         <p:nvPicPr>
-          <p:cNvPr id="4" name="Picture 3">
+          <p:cNvPr id="14" name="Picture 13">
             <a:extLst>
               <a:ext uri="{FF2B5EF4-FFF2-40B4-BE49-F238E27FC236}">
-                <a16:creationId xmlns:a16="http://schemas.microsoft.com/office/drawing/2014/main" id="{D7C33DA3-7D01-476D-9CF9-BF03785ED74E}"/>
+                <a16:creationId xmlns:a16="http://schemas.microsoft.com/office/drawing/2014/main" id="{A1DF626E-45DA-4B8F-A16D-608A0640AF78}"/>
               </a:ext>
             </a:extLst>
           </p:cNvPr>
@@ -8102,25 +8269,64 @@
           <p:nvPr/>
         </p:nvPicPr>
         <p:blipFill>
-          <a:blip r:embed="rId3"/>
+          <a:blip r:embed="rId4"/>
           <a:stretch>
             <a:fillRect/>
           </a:stretch>
         </p:blipFill>
         <p:spPr>
           <a:xfrm>
-            <a:off x="6644029" y="2370007"/>
-            <a:ext cx="5009858" cy="3339905"/>
+            <a:off x="6452806" y="2776586"/>
+            <a:ext cx="5163935" cy="3442623"/>
           </a:xfrm>
           <a:prstGeom prst="rect">
             <a:avLst/>
           </a:prstGeom>
         </p:spPr>
       </p:pic>
+      <p:sp>
+        <p:nvSpPr>
+          <p:cNvPr id="4" name="TextBox 3">
+            <a:extLst>
+              <a:ext uri="{FF2B5EF4-FFF2-40B4-BE49-F238E27FC236}">
+                <a16:creationId xmlns:a16="http://schemas.microsoft.com/office/drawing/2014/main" id="{D31962CC-BF99-4E5B-8B7F-43B6142713CC}"/>
+              </a:ext>
+            </a:extLst>
+          </p:cNvPr>
+          <p:cNvSpPr txBox="1"/>
+          <p:nvPr/>
+        </p:nvSpPr>
+        <p:spPr>
+          <a:xfrm>
+            <a:off x="1287624" y="1810140"/>
+            <a:ext cx="9433249" cy="646331"/>
+          </a:xfrm>
+          <a:prstGeom prst="rect">
+            <a:avLst/>
+          </a:prstGeom>
+          <a:noFill/>
+        </p:spPr>
+        <p:txBody>
+          <a:bodyPr wrap="square" rtlCol="0">
+            <a:spAutoFit/>
+          </a:bodyPr>
+          <a:lstStyle/>
+          <a:p>
+            <a:pPr marL="285750" indent="-285750">
+              <a:buFont typeface="Arial" panose="020B0604020202020204" pitchFamily="34" charset="0"/>
+              <a:buChar char="•"/>
+            </a:pPr>
+            <a:r>
+              <a:rPr lang="en-US" dirty="0"/>
+              <a:t>There does not appear to be a relationship between age or population, and per capita, percent change from 2011 – 2016.</a:t>
+            </a:r>
+          </a:p>
+        </p:txBody>
+      </p:sp>
     </p:spTree>
     <p:extLst>
       <p:ext uri="{BB962C8B-B14F-4D97-AF65-F5344CB8AC3E}">
-        <p14:creationId xmlns:p14="http://schemas.microsoft.com/office/powerpoint/2010/main" val="1699765793"/>
+        <p14:creationId xmlns:p14="http://schemas.microsoft.com/office/powerpoint/2010/main" val="492709746"/>
       </p:ext>
     </p:extLst>
   </p:cSld>
@@ -8152,7 +8358,7 @@
           <p:cNvPr id="2" name="Title 1">
             <a:extLst>
               <a:ext uri="{FF2B5EF4-FFF2-40B4-BE49-F238E27FC236}">
-                <a16:creationId xmlns:a16="http://schemas.microsoft.com/office/drawing/2014/main" id="{9203078C-7E32-B241-8FF1-8013DBA677E4}"/>
+                <a16:creationId xmlns:a16="http://schemas.microsoft.com/office/drawing/2014/main" id="{C8785C0E-4D33-4FF0-B79E-ACA047717F50}"/>
               </a:ext>
             </a:extLst>
           </p:cNvPr>
@@ -8170,17 +8376,17 @@
           <a:p>
             <a:r>
               <a:rPr lang="en-US" dirty="0"/>
-              <a:t>Conclusions</a:t>
-            </a:r>
-          </a:p>
-        </p:txBody>
-      </p:sp>
-      <p:sp>
-        <p:nvSpPr>
-          <p:cNvPr id="3" name="Content Placeholder 2">
+              <a:t>Does Age or population have an affect on crime?!</a:t>
+            </a:r>
+          </a:p>
+        </p:txBody>
+      </p:sp>
+      <p:sp>
+        <p:nvSpPr>
+          <p:cNvPr id="9" name="Content Placeholder 8">
             <a:extLst>
               <a:ext uri="{FF2B5EF4-FFF2-40B4-BE49-F238E27FC236}">
-                <a16:creationId xmlns:a16="http://schemas.microsoft.com/office/drawing/2014/main" id="{26CD1200-0551-8D4B-B6E2-1F353CAC3130}"/>
+                <a16:creationId xmlns:a16="http://schemas.microsoft.com/office/drawing/2014/main" id="{122FF42D-11B1-4C48-9927-7564679D659F}"/>
               </a:ext>
             </a:extLst>
           </p:cNvPr>
@@ -8196,58 +8402,119 @@
           <a:bodyPr/>
           <a:lstStyle/>
           <a:p>
-            <a:r>
-              <a:rPr lang="en-US" dirty="0"/>
-              <a:t>For the vast majority of Austin zip codes, the income has increased from 2011-2016.</a:t>
-            </a:r>
-          </a:p>
-          <a:p>
-            <a:r>
-              <a:rPr lang="en-US" dirty="0"/>
-              <a:t>For the majority of the zip codes in all of Austin, crime rates decreased from 2011-2016.</a:t>
-            </a:r>
-          </a:p>
-          <a:p>
-            <a:r>
-              <a:rPr lang="en-US" dirty="0"/>
-              <a:t>There is no significant correlation between the age/population and income.</a:t>
-            </a:r>
-          </a:p>
-          <a:p>
-            <a:r>
-              <a:rPr lang="en-US" dirty="0"/>
-              <a:t>Neither age nor population have a significant effect on crime.</a:t>
-            </a:r>
-          </a:p>
-          <a:p>
-            <a:r>
-              <a:rPr lang="en-US" dirty="0"/>
-              <a:t>There is no correlation between income rates and crime rates. </a:t>
-            </a:r>
-          </a:p>
-          <a:p>
             <a:endParaRPr lang="en-US" dirty="0"/>
           </a:p>
           <a:p>
-            <a:pPr marL="0" indent="0">
-              <a:buNone/>
+            <a:endParaRPr lang="en-US" dirty="0"/>
+          </a:p>
+        </p:txBody>
+      </p:sp>
+      <p:pic>
+        <p:nvPicPr>
+          <p:cNvPr id="3" name="Picture 2">
+            <a:extLst>
+              <a:ext uri="{FF2B5EF4-FFF2-40B4-BE49-F238E27FC236}">
+                <a16:creationId xmlns:a16="http://schemas.microsoft.com/office/drawing/2014/main" id="{E9D5D655-7E2B-4B77-AC91-948AECD275DC}"/>
+              </a:ext>
+            </a:extLst>
+          </p:cNvPr>
+          <p:cNvPicPr>
+            <a:picLocks noChangeAspect="1"/>
+          </p:cNvPicPr>
+          <p:nvPr/>
+        </p:nvPicPr>
+        <p:blipFill>
+          <a:blip r:embed="rId3"/>
+          <a:stretch>
+            <a:fillRect/>
+          </a:stretch>
+        </p:blipFill>
+        <p:spPr>
+          <a:xfrm>
+            <a:off x="6615404" y="2946868"/>
+            <a:ext cx="5103845" cy="3340359"/>
+          </a:xfrm>
+          <a:prstGeom prst="rect">
+            <a:avLst/>
+          </a:prstGeom>
+        </p:spPr>
+      </p:pic>
+      <p:pic>
+        <p:nvPicPr>
+          <p:cNvPr id="4" name="Picture 3">
+            <a:extLst>
+              <a:ext uri="{FF2B5EF4-FFF2-40B4-BE49-F238E27FC236}">
+                <a16:creationId xmlns:a16="http://schemas.microsoft.com/office/drawing/2014/main" id="{71EC8628-58BA-40A2-A837-7CA80B76AC55}"/>
+              </a:ext>
+            </a:extLst>
+          </p:cNvPr>
+          <p:cNvPicPr>
+            <a:picLocks noChangeAspect="1"/>
+          </p:cNvPicPr>
+          <p:nvPr/>
+        </p:nvPicPr>
+        <p:blipFill>
+          <a:blip r:embed="rId4"/>
+          <a:stretch>
+            <a:fillRect/>
+          </a:stretch>
+        </p:blipFill>
+        <p:spPr>
+          <a:xfrm>
+            <a:off x="1304070" y="2943020"/>
+            <a:ext cx="5022085" cy="3348056"/>
+          </a:xfrm>
+          <a:prstGeom prst="rect">
+            <a:avLst/>
+          </a:prstGeom>
+        </p:spPr>
+      </p:pic>
+      <p:sp>
+        <p:nvSpPr>
+          <p:cNvPr id="5" name="TextBox 4">
+            <a:extLst>
+              <a:ext uri="{FF2B5EF4-FFF2-40B4-BE49-F238E27FC236}">
+                <a16:creationId xmlns:a16="http://schemas.microsoft.com/office/drawing/2014/main" id="{87AF6470-4C41-4727-B7D2-DDAE89673F20}"/>
+              </a:ext>
+            </a:extLst>
+          </p:cNvPr>
+          <p:cNvSpPr txBox="1"/>
+          <p:nvPr/>
+        </p:nvSpPr>
+        <p:spPr>
+          <a:xfrm>
+            <a:off x="1399592" y="1950098"/>
+            <a:ext cx="8444205" cy="584775"/>
+          </a:xfrm>
+          <a:prstGeom prst="rect">
+            <a:avLst/>
+          </a:prstGeom>
+          <a:noFill/>
+        </p:spPr>
+        <p:txBody>
+          <a:bodyPr wrap="square" rtlCol="0">
+            <a:spAutoFit/>
+          </a:bodyPr>
+          <a:lstStyle/>
+          <a:p>
+            <a:pPr marL="285750" indent="-285750">
+              <a:buFont typeface="Arial" panose="020B0604020202020204" pitchFamily="34" charset="0"/>
+              <a:buChar char="•"/>
             </a:pPr>
             <a:r>
-              <a:rPr lang="en-US" b="1" i="1" dirty="0">
-                <a:latin typeface="Cambria" panose="02040503050406030204" pitchFamily="18" charset="0"/>
+              <a:rPr lang="en-US" sz="1600" dirty="0">
+                <a:latin typeface="Arial" panose="020B0604020202020204" pitchFamily="34" charset="0"/>
+                <a:cs typeface="Arial" panose="020B0604020202020204" pitchFamily="34" charset="0"/>
               </a:rPr>
-              <a:t>For future reference or research, deeper investigation can be taken to research types of crime in zip codes.</a:t>
-            </a:r>
-          </a:p>
-          <a:p>
-            <a:endParaRPr lang="en-US" dirty="0"/>
+              <a:t>Crime went down across the board, for population or age and percent change in crime. There does not appear to be a correlation.</a:t>
+            </a:r>
           </a:p>
         </p:txBody>
       </p:sp>
     </p:spTree>
     <p:extLst>
       <p:ext uri="{BB962C8B-B14F-4D97-AF65-F5344CB8AC3E}">
-        <p14:creationId xmlns:p14="http://schemas.microsoft.com/office/powerpoint/2010/main" val="2984794533"/>
+        <p14:creationId xmlns:p14="http://schemas.microsoft.com/office/powerpoint/2010/main" val="3441358828"/>
       </p:ext>
     </p:extLst>
   </p:cSld>
@@ -8279,7 +8546,7 @@
           <p:cNvPr id="2" name="Title 1">
             <a:extLst>
               <a:ext uri="{FF2B5EF4-FFF2-40B4-BE49-F238E27FC236}">
-                <a16:creationId xmlns:a16="http://schemas.microsoft.com/office/drawing/2014/main" id="{2413C71B-0B1F-704F-A683-0559479B9E5A}"/>
+                <a16:creationId xmlns:a16="http://schemas.microsoft.com/office/drawing/2014/main" id="{C9C8470F-689F-4A08-817F-3C4E8ECF9936}"/>
               </a:ext>
             </a:extLst>
           </p:cNvPr>
@@ -8290,59 +8557,138 @@
             <p:ph type="title"/>
           </p:nvPr>
         </p:nvSpPr>
-        <p:spPr/>
-        <p:txBody>
-          <a:bodyPr/>
+        <p:spPr>
+          <a:xfrm>
+            <a:off x="1251678" y="382385"/>
+            <a:ext cx="10178322" cy="1045199"/>
+          </a:xfrm>
+        </p:spPr>
+        <p:txBody>
+          <a:bodyPr>
+            <a:normAutofit fontScale="90000"/>
+          </a:bodyPr>
           <a:lstStyle/>
           <a:p>
-            <a:r>
+            <a:pPr algn="ctr"/>
+            <a:r>
+              <a:rPr lang="en-US" sz="4000" dirty="0"/>
+              <a:t>Is there a correlation between income and amount of crime?!</a:t>
+            </a:r>
+            <a:br>
               <a:rPr lang="en-US" dirty="0"/>
-              <a:t>Data Sources, Exploration and Analysis</a:t>
-            </a:r>
-          </a:p>
-        </p:txBody>
-      </p:sp>
-      <p:sp>
-        <p:nvSpPr>
-          <p:cNvPr id="3" name="Content Placeholder 2">
+            </a:br>
+            <a:endParaRPr lang="en-US" dirty="0"/>
+          </a:p>
+        </p:txBody>
+      </p:sp>
+      <p:pic>
+        <p:nvPicPr>
+          <p:cNvPr id="7" name="Content Placeholder 6">
             <a:extLst>
               <a:ext uri="{FF2B5EF4-FFF2-40B4-BE49-F238E27FC236}">
-                <a16:creationId xmlns:a16="http://schemas.microsoft.com/office/drawing/2014/main" id="{70DFB3EE-89A3-454D-857A-FA85A252BEB0}"/>
+                <a16:creationId xmlns:a16="http://schemas.microsoft.com/office/drawing/2014/main" id="{0C8ECDFC-FA5A-4821-B48D-810CD739D29F}"/>
               </a:ext>
             </a:extLst>
           </p:cNvPr>
-          <p:cNvSpPr>
-            <a:spLocks noGrp="1"/>
-          </p:cNvSpPr>
+          <p:cNvPicPr>
+            <a:picLocks noGrp="1" noChangeAspect="1"/>
+          </p:cNvPicPr>
           <p:nvPr>
             <p:ph idx="1"/>
           </p:nvPr>
-        </p:nvSpPr>
-        <p:spPr/>
-        <p:txBody>
-          <a:bodyPr/>
+        </p:nvPicPr>
+        <p:blipFill>
+          <a:blip r:embed="rId2"/>
+          <a:stretch>
+            <a:fillRect/>
+          </a:stretch>
+        </p:blipFill>
+        <p:spPr>
+          <a:xfrm>
+            <a:off x="1166314" y="3053515"/>
+            <a:ext cx="4833594" cy="3222396"/>
+          </a:xfrm>
+          <a:prstGeom prst="rect">
+            <a:avLst/>
+          </a:prstGeom>
+        </p:spPr>
+      </p:pic>
+      <p:pic>
+        <p:nvPicPr>
+          <p:cNvPr id="8" name="Picture 7">
+            <a:extLst>
+              <a:ext uri="{FF2B5EF4-FFF2-40B4-BE49-F238E27FC236}">
+                <a16:creationId xmlns:a16="http://schemas.microsoft.com/office/drawing/2014/main" id="{E720689A-A1E2-4EC7-8546-78665075A0E2}"/>
+              </a:ext>
+            </a:extLst>
+          </p:cNvPr>
+          <p:cNvPicPr>
+            <a:picLocks noChangeAspect="1"/>
+          </p:cNvPicPr>
+          <p:nvPr/>
+        </p:nvPicPr>
+        <p:blipFill>
+          <a:blip r:embed="rId3"/>
+          <a:stretch>
+            <a:fillRect/>
+          </a:stretch>
+        </p:blipFill>
+        <p:spPr>
+          <a:xfrm>
+            <a:off x="6697825" y="3053515"/>
+            <a:ext cx="4833594" cy="3222396"/>
+          </a:xfrm>
+          <a:prstGeom prst="rect">
+            <a:avLst/>
+          </a:prstGeom>
+        </p:spPr>
+      </p:pic>
+      <p:sp>
+        <p:nvSpPr>
+          <p:cNvPr id="9" name="TextBox 8">
+            <a:extLst>
+              <a:ext uri="{FF2B5EF4-FFF2-40B4-BE49-F238E27FC236}">
+                <a16:creationId xmlns:a16="http://schemas.microsoft.com/office/drawing/2014/main" id="{8C65C53C-C5A9-45A0-A501-306F0148FBD5}"/>
+              </a:ext>
+            </a:extLst>
+          </p:cNvPr>
+          <p:cNvSpPr txBox="1"/>
+          <p:nvPr/>
+        </p:nvSpPr>
+        <p:spPr>
+          <a:xfrm>
+            <a:off x="2211356" y="1767378"/>
+            <a:ext cx="7781730" cy="830997"/>
+          </a:xfrm>
+          <a:prstGeom prst="rect">
+            <a:avLst/>
+          </a:prstGeom>
+          <a:noFill/>
+        </p:spPr>
+        <p:txBody>
+          <a:bodyPr wrap="square" rtlCol="0">
+            <a:spAutoFit/>
+          </a:bodyPr>
           <a:lstStyle/>
           <a:p>
-            <a:r>
-              <a:rPr lang="en-US" sz="3600" dirty="0"/>
-              <a:t>Austintexas.gov (https://data.austintexas.gov/resource/mfej-x5pm.json)</a:t>
-            </a:r>
-          </a:p>
-          <a:p>
-            <a:r>
-              <a:rPr lang="en-US" sz="3600" dirty="0"/>
-              <a:t>Census (Census API)</a:t>
-            </a:r>
-          </a:p>
-          <a:p>
-            <a:endParaRPr lang="en-US" dirty="0"/>
+            <a:pPr marL="285750" indent="-285750">
+              <a:buFont typeface="Arial" panose="020B0604020202020204" pitchFamily="34" charset="0"/>
+              <a:buChar char="•"/>
+            </a:pPr>
+            <a:r>
+              <a:rPr lang="en-US" sz="1600" dirty="0">
+                <a:latin typeface="Arial" panose="020B0604020202020204" pitchFamily="34" charset="0"/>
+                <a:cs typeface="Arial" panose="020B0604020202020204" pitchFamily="34" charset="0"/>
+              </a:rPr>
+              <a:t>There seems to be a base amount of crime across incomes, but, when the crime rates exceed a count of 5,000-6,000, they are overwhelmingly in lower income areas.</a:t>
+            </a:r>
           </a:p>
         </p:txBody>
       </p:sp>
     </p:spTree>
     <p:extLst>
       <p:ext uri="{BB962C8B-B14F-4D97-AF65-F5344CB8AC3E}">
-        <p14:creationId xmlns:p14="http://schemas.microsoft.com/office/powerpoint/2010/main" val="4182056592"/>
+        <p14:creationId xmlns:p14="http://schemas.microsoft.com/office/powerpoint/2010/main" val="1699765793"/>
       </p:ext>
     </p:extLst>
   </p:cSld>

--- a/Presentation/Presentation Final.pptx
+++ b/Presentation/Presentation Final.pptx
@@ -5,7 +5,7 @@
     <p:sldMasterId id="2147483672" r:id="rId1"/>
   </p:sldMasterIdLst>
   <p:notesMasterIdLst>
-    <p:notesMasterId r:id="rId12"/>
+    <p:notesMasterId r:id="rId15"/>
   </p:notesMasterIdLst>
   <p:sldIdLst>
     <p:sldId id="256" r:id="rId2"/>
@@ -13,11 +13,14 @@
     <p:sldId id="259" r:id="rId4"/>
     <p:sldId id="266" r:id="rId5"/>
     <p:sldId id="262" r:id="rId6"/>
-    <p:sldId id="261" r:id="rId7"/>
-    <p:sldId id="263" r:id="rId8"/>
-    <p:sldId id="264" r:id="rId9"/>
-    <p:sldId id="265" r:id="rId10"/>
-    <p:sldId id="260" r:id="rId11"/>
+    <p:sldId id="269" r:id="rId7"/>
+    <p:sldId id="261" r:id="rId8"/>
+    <p:sldId id="270" r:id="rId9"/>
+    <p:sldId id="263" r:id="rId10"/>
+    <p:sldId id="264" r:id="rId11"/>
+    <p:sldId id="265" r:id="rId12"/>
+    <p:sldId id="260" r:id="rId13"/>
+    <p:sldId id="271" r:id="rId14"/>
   </p:sldIdLst>
   <p:sldSz cx="12192000" cy="6858000"/>
   <p:notesSz cx="6858000" cy="9144000"/>
@@ -517,7 +520,10 @@
           <a:bodyPr/>
           <a:lstStyle/>
           <a:p>
-            <a:endParaRPr lang="en-US" dirty="0"/>
+            <a:r>
+              <a:rPr lang="en-US" dirty="0"/>
+              <a:t>Tito</a:t>
+            </a:r>
           </a:p>
         </p:txBody>
       </p:sp>
@@ -538,7 +544,7 @@
           <a:p>
             <a:fld id="{284694F9-182F-4ACD-ABF1-4A1202476FB8}" type="slidenum">
               <a:rPr lang="en-US" smtClean="0"/>
-              <a:t>6</a:t>
+              <a:t>1</a:t>
             </a:fld>
             <a:endParaRPr lang="en-US"/>
           </a:p>
@@ -547,7 +553,359 @@
     </p:spTree>
     <p:extLst>
       <p:ext uri="{BB962C8B-B14F-4D97-AF65-F5344CB8AC3E}">
-        <p14:creationId xmlns:p14="http://schemas.microsoft.com/office/powerpoint/2010/main" val="1106549631"/>
+        <p14:creationId xmlns:p14="http://schemas.microsoft.com/office/powerpoint/2010/main" val="1139859774"/>
+      </p:ext>
+    </p:extLst>
+  </p:cSld>
+  <p:clrMapOvr>
+    <a:masterClrMapping/>
+  </p:clrMapOvr>
+</p:notes>
+</file>
+
+<file path=ppt/notesSlides/notesSlide10.xml><?xml version="1.0" encoding="utf-8"?>
+<p:notes xmlns:a="http://schemas.openxmlformats.org/drawingml/2006/main" xmlns:r="http://schemas.openxmlformats.org/officeDocument/2006/relationships" xmlns:p="http://schemas.openxmlformats.org/presentationml/2006/main">
+  <p:cSld>
+    <p:spTree>
+      <p:nvGrpSpPr>
+        <p:cNvPr id="1" name=""/>
+        <p:cNvGrpSpPr/>
+        <p:nvPr/>
+      </p:nvGrpSpPr>
+      <p:grpSpPr>
+        <a:xfrm>
+          <a:off x="0" y="0"/>
+          <a:ext cx="0" cy="0"/>
+          <a:chOff x="0" y="0"/>
+          <a:chExt cx="0" cy="0"/>
+        </a:xfrm>
+      </p:grpSpPr>
+      <p:sp>
+        <p:nvSpPr>
+          <p:cNvPr id="2" name="Slide Image Placeholder 1"/>
+          <p:cNvSpPr>
+            <a:spLocks noGrp="1" noRot="1" noChangeAspect="1"/>
+          </p:cNvSpPr>
+          <p:nvPr>
+            <p:ph type="sldImg"/>
+          </p:nvPr>
+        </p:nvSpPr>
+        <p:spPr/>
+      </p:sp>
+      <p:sp>
+        <p:nvSpPr>
+          <p:cNvPr id="3" name="Notes Placeholder 2"/>
+          <p:cNvSpPr>
+            <a:spLocks noGrp="1"/>
+          </p:cNvSpPr>
+          <p:nvPr>
+            <p:ph type="body" idx="1"/>
+          </p:nvPr>
+        </p:nvSpPr>
+        <p:spPr/>
+        <p:txBody>
+          <a:bodyPr/>
+          <a:lstStyle/>
+          <a:p>
+            <a:r>
+              <a:rPr lang="en-US" dirty="0" err="1"/>
+              <a:t>Delayna</a:t>
+            </a:r>
+            <a:r>
+              <a:rPr lang="en-US" dirty="0"/>
+              <a:t>	</a:t>
+            </a:r>
+          </a:p>
+        </p:txBody>
+      </p:sp>
+      <p:sp>
+        <p:nvSpPr>
+          <p:cNvPr id="4" name="Slide Number Placeholder 3"/>
+          <p:cNvSpPr>
+            <a:spLocks noGrp="1"/>
+          </p:cNvSpPr>
+          <p:nvPr>
+            <p:ph type="sldNum" sz="quarter" idx="5"/>
+          </p:nvPr>
+        </p:nvSpPr>
+        <p:spPr/>
+        <p:txBody>
+          <a:bodyPr/>
+          <a:lstStyle/>
+          <a:p>
+            <a:fld id="{284694F9-182F-4ACD-ABF1-4A1202476FB8}" type="slidenum">
+              <a:rPr lang="en-US" smtClean="0"/>
+              <a:t>10</a:t>
+            </a:fld>
+            <a:endParaRPr lang="en-US"/>
+          </a:p>
+        </p:txBody>
+      </p:sp>
+    </p:spTree>
+    <p:extLst>
+      <p:ext uri="{BB962C8B-B14F-4D97-AF65-F5344CB8AC3E}">
+        <p14:creationId xmlns:p14="http://schemas.microsoft.com/office/powerpoint/2010/main" val="1864793584"/>
+      </p:ext>
+    </p:extLst>
+  </p:cSld>
+  <p:clrMapOvr>
+    <a:masterClrMapping/>
+  </p:clrMapOvr>
+</p:notes>
+</file>
+
+<file path=ppt/notesSlides/notesSlide11.xml><?xml version="1.0" encoding="utf-8"?>
+<p:notes xmlns:a="http://schemas.openxmlformats.org/drawingml/2006/main" xmlns:r="http://schemas.openxmlformats.org/officeDocument/2006/relationships" xmlns:p="http://schemas.openxmlformats.org/presentationml/2006/main">
+  <p:cSld>
+    <p:spTree>
+      <p:nvGrpSpPr>
+        <p:cNvPr id="1" name=""/>
+        <p:cNvGrpSpPr/>
+        <p:nvPr/>
+      </p:nvGrpSpPr>
+      <p:grpSpPr>
+        <a:xfrm>
+          <a:off x="0" y="0"/>
+          <a:ext cx="0" cy="0"/>
+          <a:chOff x="0" y="0"/>
+          <a:chExt cx="0" cy="0"/>
+        </a:xfrm>
+      </p:grpSpPr>
+      <p:sp>
+        <p:nvSpPr>
+          <p:cNvPr id="2" name="Slide Image Placeholder 1"/>
+          <p:cNvSpPr>
+            <a:spLocks noGrp="1" noRot="1" noChangeAspect="1"/>
+          </p:cNvSpPr>
+          <p:nvPr>
+            <p:ph type="sldImg"/>
+          </p:nvPr>
+        </p:nvSpPr>
+        <p:spPr/>
+      </p:sp>
+      <p:sp>
+        <p:nvSpPr>
+          <p:cNvPr id="3" name="Notes Placeholder 2"/>
+          <p:cNvSpPr>
+            <a:spLocks noGrp="1"/>
+          </p:cNvSpPr>
+          <p:nvPr>
+            <p:ph type="body" idx="1"/>
+          </p:nvPr>
+        </p:nvSpPr>
+        <p:spPr/>
+        <p:txBody>
+          <a:bodyPr/>
+          <a:lstStyle/>
+          <a:p>
+            <a:r>
+              <a:rPr lang="en-US" dirty="0"/>
+              <a:t>Michael	</a:t>
+            </a:r>
+          </a:p>
+        </p:txBody>
+      </p:sp>
+      <p:sp>
+        <p:nvSpPr>
+          <p:cNvPr id="4" name="Slide Number Placeholder 3"/>
+          <p:cNvSpPr>
+            <a:spLocks noGrp="1"/>
+          </p:cNvSpPr>
+          <p:nvPr>
+            <p:ph type="sldNum" sz="quarter" idx="5"/>
+          </p:nvPr>
+        </p:nvSpPr>
+        <p:spPr/>
+        <p:txBody>
+          <a:bodyPr/>
+          <a:lstStyle/>
+          <a:p>
+            <a:fld id="{284694F9-182F-4ACD-ABF1-4A1202476FB8}" type="slidenum">
+              <a:rPr lang="en-US" smtClean="0"/>
+              <a:t>11</a:t>
+            </a:fld>
+            <a:endParaRPr lang="en-US"/>
+          </a:p>
+        </p:txBody>
+      </p:sp>
+    </p:spTree>
+    <p:extLst>
+      <p:ext uri="{BB962C8B-B14F-4D97-AF65-F5344CB8AC3E}">
+        <p14:creationId xmlns:p14="http://schemas.microsoft.com/office/powerpoint/2010/main" val="2339668931"/>
+      </p:ext>
+    </p:extLst>
+  </p:cSld>
+  <p:clrMapOvr>
+    <a:masterClrMapping/>
+  </p:clrMapOvr>
+</p:notes>
+</file>
+
+<file path=ppt/notesSlides/notesSlide12.xml><?xml version="1.0" encoding="utf-8"?>
+<p:notes xmlns:a="http://schemas.openxmlformats.org/drawingml/2006/main" xmlns:r="http://schemas.openxmlformats.org/officeDocument/2006/relationships" xmlns:p="http://schemas.openxmlformats.org/presentationml/2006/main">
+  <p:cSld>
+    <p:spTree>
+      <p:nvGrpSpPr>
+        <p:cNvPr id="1" name=""/>
+        <p:cNvGrpSpPr/>
+        <p:nvPr/>
+      </p:nvGrpSpPr>
+      <p:grpSpPr>
+        <a:xfrm>
+          <a:off x="0" y="0"/>
+          <a:ext cx="0" cy="0"/>
+          <a:chOff x="0" y="0"/>
+          <a:chExt cx="0" cy="0"/>
+        </a:xfrm>
+      </p:grpSpPr>
+      <p:sp>
+        <p:nvSpPr>
+          <p:cNvPr id="2" name="Slide Image Placeholder 1"/>
+          <p:cNvSpPr>
+            <a:spLocks noGrp="1" noRot="1" noChangeAspect="1"/>
+          </p:cNvSpPr>
+          <p:nvPr>
+            <p:ph type="sldImg"/>
+          </p:nvPr>
+        </p:nvSpPr>
+        <p:spPr/>
+      </p:sp>
+      <p:sp>
+        <p:nvSpPr>
+          <p:cNvPr id="3" name="Notes Placeholder 2"/>
+          <p:cNvSpPr>
+            <a:spLocks noGrp="1"/>
+          </p:cNvSpPr>
+          <p:nvPr>
+            <p:ph type="body" idx="1"/>
+          </p:nvPr>
+        </p:nvSpPr>
+        <p:spPr/>
+        <p:txBody>
+          <a:bodyPr/>
+          <a:lstStyle/>
+          <a:p>
+            <a:r>
+              <a:rPr lang="en-US" dirty="0"/>
+              <a:t>Michael</a:t>
+            </a:r>
+          </a:p>
+        </p:txBody>
+      </p:sp>
+      <p:sp>
+        <p:nvSpPr>
+          <p:cNvPr id="4" name="Slide Number Placeholder 3"/>
+          <p:cNvSpPr>
+            <a:spLocks noGrp="1"/>
+          </p:cNvSpPr>
+          <p:nvPr>
+            <p:ph type="sldNum" sz="quarter" idx="5"/>
+          </p:nvPr>
+        </p:nvSpPr>
+        <p:spPr/>
+        <p:txBody>
+          <a:bodyPr/>
+          <a:lstStyle/>
+          <a:p>
+            <a:fld id="{284694F9-182F-4ACD-ABF1-4A1202476FB8}" type="slidenum">
+              <a:rPr lang="en-US" smtClean="0"/>
+              <a:t>12</a:t>
+            </a:fld>
+            <a:endParaRPr lang="en-US"/>
+          </a:p>
+        </p:txBody>
+      </p:sp>
+    </p:spTree>
+    <p:extLst>
+      <p:ext uri="{BB962C8B-B14F-4D97-AF65-F5344CB8AC3E}">
+        <p14:creationId xmlns:p14="http://schemas.microsoft.com/office/powerpoint/2010/main" val="208573246"/>
+      </p:ext>
+    </p:extLst>
+  </p:cSld>
+  <p:clrMapOvr>
+    <a:masterClrMapping/>
+  </p:clrMapOvr>
+</p:notes>
+</file>
+
+<file path=ppt/notesSlides/notesSlide13.xml><?xml version="1.0" encoding="utf-8"?>
+<p:notes xmlns:a="http://schemas.openxmlformats.org/drawingml/2006/main" xmlns:r="http://schemas.openxmlformats.org/officeDocument/2006/relationships" xmlns:p="http://schemas.openxmlformats.org/presentationml/2006/main">
+  <p:cSld>
+    <p:spTree>
+      <p:nvGrpSpPr>
+        <p:cNvPr id="1" name=""/>
+        <p:cNvGrpSpPr/>
+        <p:nvPr/>
+      </p:nvGrpSpPr>
+      <p:grpSpPr>
+        <a:xfrm>
+          <a:off x="0" y="0"/>
+          <a:ext cx="0" cy="0"/>
+          <a:chOff x="0" y="0"/>
+          <a:chExt cx="0" cy="0"/>
+        </a:xfrm>
+      </p:grpSpPr>
+      <p:sp>
+        <p:nvSpPr>
+          <p:cNvPr id="2" name="Slide Image Placeholder 1"/>
+          <p:cNvSpPr>
+            <a:spLocks noGrp="1" noRot="1" noChangeAspect="1"/>
+          </p:cNvSpPr>
+          <p:nvPr>
+            <p:ph type="sldImg"/>
+          </p:nvPr>
+        </p:nvSpPr>
+        <p:spPr/>
+      </p:sp>
+      <p:sp>
+        <p:nvSpPr>
+          <p:cNvPr id="3" name="Notes Placeholder 2"/>
+          <p:cNvSpPr>
+            <a:spLocks noGrp="1"/>
+          </p:cNvSpPr>
+          <p:nvPr>
+            <p:ph type="body" idx="1"/>
+          </p:nvPr>
+        </p:nvSpPr>
+        <p:spPr/>
+        <p:txBody>
+          <a:bodyPr/>
+          <a:lstStyle/>
+          <a:p>
+            <a:r>
+              <a:rPr lang="en-US" dirty="0"/>
+              <a:t>Michael</a:t>
+            </a:r>
+          </a:p>
+        </p:txBody>
+      </p:sp>
+      <p:sp>
+        <p:nvSpPr>
+          <p:cNvPr id="4" name="Slide Number Placeholder 3"/>
+          <p:cNvSpPr>
+            <a:spLocks noGrp="1"/>
+          </p:cNvSpPr>
+          <p:nvPr>
+            <p:ph type="sldNum" sz="quarter" idx="5"/>
+          </p:nvPr>
+        </p:nvSpPr>
+        <p:spPr/>
+        <p:txBody>
+          <a:bodyPr/>
+          <a:lstStyle/>
+          <a:p>
+            <a:fld id="{284694F9-182F-4ACD-ABF1-4A1202476FB8}" type="slidenum">
+              <a:rPr lang="en-US" smtClean="0"/>
+              <a:t>13</a:t>
+            </a:fld>
+            <a:endParaRPr lang="en-US"/>
+          </a:p>
+        </p:txBody>
+      </p:sp>
+    </p:spTree>
+    <p:extLst>
+      <p:ext uri="{BB962C8B-B14F-4D97-AF65-F5344CB8AC3E}">
+        <p14:creationId xmlns:p14="http://schemas.microsoft.com/office/powerpoint/2010/main" val="3790613435"/>
       </p:ext>
     </p:extLst>
   </p:cSld>
@@ -601,7 +959,10 @@
           <a:bodyPr/>
           <a:lstStyle/>
           <a:p>
-            <a:endParaRPr lang="en-US" dirty="0"/>
+            <a:r>
+              <a:rPr lang="en-US" dirty="0"/>
+              <a:t>Tito</a:t>
+            </a:r>
           </a:p>
         </p:txBody>
       </p:sp>
@@ -622,7 +983,7 @@
           <a:p>
             <a:fld id="{284694F9-182F-4ACD-ABF1-4A1202476FB8}" type="slidenum">
               <a:rPr lang="en-US" smtClean="0"/>
-              <a:t>7</a:t>
+              <a:t>2</a:t>
             </a:fld>
             <a:endParaRPr lang="en-US"/>
           </a:p>
@@ -631,7 +992,7 @@
     </p:spTree>
     <p:extLst>
       <p:ext uri="{BB962C8B-B14F-4D97-AF65-F5344CB8AC3E}">
-        <p14:creationId xmlns:p14="http://schemas.microsoft.com/office/powerpoint/2010/main" val="2695086909"/>
+        <p14:creationId xmlns:p14="http://schemas.microsoft.com/office/powerpoint/2010/main" val="2516211058"/>
       </p:ext>
     </p:extLst>
   </p:cSld>
@@ -685,7 +1046,445 @@
           <a:bodyPr/>
           <a:lstStyle/>
           <a:p>
-            <a:endParaRPr lang="en-US" dirty="0"/>
+            <a:r>
+              <a:rPr lang="en-US" dirty="0"/>
+              <a:t>Tito	</a:t>
+            </a:r>
+          </a:p>
+        </p:txBody>
+      </p:sp>
+      <p:sp>
+        <p:nvSpPr>
+          <p:cNvPr id="4" name="Slide Number Placeholder 3"/>
+          <p:cNvSpPr>
+            <a:spLocks noGrp="1"/>
+          </p:cNvSpPr>
+          <p:nvPr>
+            <p:ph type="sldNum" sz="quarter" idx="5"/>
+          </p:nvPr>
+        </p:nvSpPr>
+        <p:spPr/>
+        <p:txBody>
+          <a:bodyPr/>
+          <a:lstStyle/>
+          <a:p>
+            <a:fld id="{284694F9-182F-4ACD-ABF1-4A1202476FB8}" type="slidenum">
+              <a:rPr lang="en-US" smtClean="0"/>
+              <a:t>3</a:t>
+            </a:fld>
+            <a:endParaRPr lang="en-US"/>
+          </a:p>
+        </p:txBody>
+      </p:sp>
+    </p:spTree>
+    <p:extLst>
+      <p:ext uri="{BB962C8B-B14F-4D97-AF65-F5344CB8AC3E}">
+        <p14:creationId xmlns:p14="http://schemas.microsoft.com/office/powerpoint/2010/main" val="3744490971"/>
+      </p:ext>
+    </p:extLst>
+  </p:cSld>
+  <p:clrMapOvr>
+    <a:masterClrMapping/>
+  </p:clrMapOvr>
+</p:notes>
+</file>
+
+<file path=ppt/notesSlides/notesSlide4.xml><?xml version="1.0" encoding="utf-8"?>
+<p:notes xmlns:a="http://schemas.openxmlformats.org/drawingml/2006/main" xmlns:r="http://schemas.openxmlformats.org/officeDocument/2006/relationships" xmlns:p="http://schemas.openxmlformats.org/presentationml/2006/main">
+  <p:cSld>
+    <p:spTree>
+      <p:nvGrpSpPr>
+        <p:cNvPr id="1" name=""/>
+        <p:cNvGrpSpPr/>
+        <p:nvPr/>
+      </p:nvGrpSpPr>
+      <p:grpSpPr>
+        <a:xfrm>
+          <a:off x="0" y="0"/>
+          <a:ext cx="0" cy="0"/>
+          <a:chOff x="0" y="0"/>
+          <a:chExt cx="0" cy="0"/>
+        </a:xfrm>
+      </p:grpSpPr>
+      <p:sp>
+        <p:nvSpPr>
+          <p:cNvPr id="2" name="Slide Image Placeholder 1"/>
+          <p:cNvSpPr>
+            <a:spLocks noGrp="1" noRot="1" noChangeAspect="1"/>
+          </p:cNvSpPr>
+          <p:nvPr>
+            <p:ph type="sldImg"/>
+          </p:nvPr>
+        </p:nvSpPr>
+        <p:spPr/>
+      </p:sp>
+      <p:sp>
+        <p:nvSpPr>
+          <p:cNvPr id="3" name="Notes Placeholder 2"/>
+          <p:cNvSpPr>
+            <a:spLocks noGrp="1"/>
+          </p:cNvSpPr>
+          <p:nvPr>
+            <p:ph type="body" idx="1"/>
+          </p:nvPr>
+        </p:nvSpPr>
+        <p:spPr/>
+        <p:txBody>
+          <a:bodyPr/>
+          <a:lstStyle/>
+          <a:p>
+            <a:r>
+              <a:rPr lang="en-US" dirty="0"/>
+              <a:t>Tito </a:t>
+            </a:r>
+          </a:p>
+        </p:txBody>
+      </p:sp>
+      <p:sp>
+        <p:nvSpPr>
+          <p:cNvPr id="4" name="Slide Number Placeholder 3"/>
+          <p:cNvSpPr>
+            <a:spLocks noGrp="1"/>
+          </p:cNvSpPr>
+          <p:nvPr>
+            <p:ph type="sldNum" sz="quarter" idx="5"/>
+          </p:nvPr>
+        </p:nvSpPr>
+        <p:spPr/>
+        <p:txBody>
+          <a:bodyPr/>
+          <a:lstStyle/>
+          <a:p>
+            <a:fld id="{284694F9-182F-4ACD-ABF1-4A1202476FB8}" type="slidenum">
+              <a:rPr lang="en-US" smtClean="0"/>
+              <a:t>4</a:t>
+            </a:fld>
+            <a:endParaRPr lang="en-US"/>
+          </a:p>
+        </p:txBody>
+      </p:sp>
+    </p:spTree>
+    <p:extLst>
+      <p:ext uri="{BB962C8B-B14F-4D97-AF65-F5344CB8AC3E}">
+        <p14:creationId xmlns:p14="http://schemas.microsoft.com/office/powerpoint/2010/main" val="2696727388"/>
+      </p:ext>
+    </p:extLst>
+  </p:cSld>
+  <p:clrMapOvr>
+    <a:masterClrMapping/>
+  </p:clrMapOvr>
+</p:notes>
+</file>
+
+<file path=ppt/notesSlides/notesSlide5.xml><?xml version="1.0" encoding="utf-8"?>
+<p:notes xmlns:a="http://schemas.openxmlformats.org/drawingml/2006/main" xmlns:r="http://schemas.openxmlformats.org/officeDocument/2006/relationships" xmlns:p="http://schemas.openxmlformats.org/presentationml/2006/main">
+  <p:cSld>
+    <p:spTree>
+      <p:nvGrpSpPr>
+        <p:cNvPr id="1" name=""/>
+        <p:cNvGrpSpPr/>
+        <p:nvPr/>
+      </p:nvGrpSpPr>
+      <p:grpSpPr>
+        <a:xfrm>
+          <a:off x="0" y="0"/>
+          <a:ext cx="0" cy="0"/>
+          <a:chOff x="0" y="0"/>
+          <a:chExt cx="0" cy="0"/>
+        </a:xfrm>
+      </p:grpSpPr>
+      <p:sp>
+        <p:nvSpPr>
+          <p:cNvPr id="2" name="Slide Image Placeholder 1"/>
+          <p:cNvSpPr>
+            <a:spLocks noGrp="1" noRot="1" noChangeAspect="1"/>
+          </p:cNvSpPr>
+          <p:nvPr>
+            <p:ph type="sldImg"/>
+          </p:nvPr>
+        </p:nvSpPr>
+        <p:spPr/>
+      </p:sp>
+      <p:sp>
+        <p:nvSpPr>
+          <p:cNvPr id="3" name="Notes Placeholder 2"/>
+          <p:cNvSpPr>
+            <a:spLocks noGrp="1"/>
+          </p:cNvSpPr>
+          <p:nvPr>
+            <p:ph type="body" idx="1"/>
+          </p:nvPr>
+        </p:nvSpPr>
+        <p:spPr/>
+        <p:txBody>
+          <a:bodyPr/>
+          <a:lstStyle/>
+          <a:p>
+            <a:r>
+              <a:rPr lang="en-US" dirty="0"/>
+              <a:t>Kerry</a:t>
+            </a:r>
+          </a:p>
+        </p:txBody>
+      </p:sp>
+      <p:sp>
+        <p:nvSpPr>
+          <p:cNvPr id="4" name="Slide Number Placeholder 3"/>
+          <p:cNvSpPr>
+            <a:spLocks noGrp="1"/>
+          </p:cNvSpPr>
+          <p:nvPr>
+            <p:ph type="sldNum" sz="quarter" idx="5"/>
+          </p:nvPr>
+        </p:nvSpPr>
+        <p:spPr/>
+        <p:txBody>
+          <a:bodyPr/>
+          <a:lstStyle/>
+          <a:p>
+            <a:fld id="{284694F9-182F-4ACD-ABF1-4A1202476FB8}" type="slidenum">
+              <a:rPr lang="en-US" smtClean="0"/>
+              <a:t>5</a:t>
+            </a:fld>
+            <a:endParaRPr lang="en-US"/>
+          </a:p>
+        </p:txBody>
+      </p:sp>
+    </p:spTree>
+    <p:extLst>
+      <p:ext uri="{BB962C8B-B14F-4D97-AF65-F5344CB8AC3E}">
+        <p14:creationId xmlns:p14="http://schemas.microsoft.com/office/powerpoint/2010/main" val="3567511270"/>
+      </p:ext>
+    </p:extLst>
+  </p:cSld>
+  <p:clrMapOvr>
+    <a:masterClrMapping/>
+  </p:clrMapOvr>
+</p:notes>
+</file>
+
+<file path=ppt/notesSlides/notesSlide6.xml><?xml version="1.0" encoding="utf-8"?>
+<p:notes xmlns:a="http://schemas.openxmlformats.org/drawingml/2006/main" xmlns:r="http://schemas.openxmlformats.org/officeDocument/2006/relationships" xmlns:p="http://schemas.openxmlformats.org/presentationml/2006/main">
+  <p:cSld>
+    <p:spTree>
+      <p:nvGrpSpPr>
+        <p:cNvPr id="1" name=""/>
+        <p:cNvGrpSpPr/>
+        <p:nvPr/>
+      </p:nvGrpSpPr>
+      <p:grpSpPr>
+        <a:xfrm>
+          <a:off x="0" y="0"/>
+          <a:ext cx="0" cy="0"/>
+          <a:chOff x="0" y="0"/>
+          <a:chExt cx="0" cy="0"/>
+        </a:xfrm>
+      </p:grpSpPr>
+      <p:sp>
+        <p:nvSpPr>
+          <p:cNvPr id="2" name="Slide Image Placeholder 1"/>
+          <p:cNvSpPr>
+            <a:spLocks noGrp="1" noRot="1" noChangeAspect="1"/>
+          </p:cNvSpPr>
+          <p:nvPr>
+            <p:ph type="sldImg"/>
+          </p:nvPr>
+        </p:nvSpPr>
+        <p:spPr/>
+      </p:sp>
+      <p:sp>
+        <p:nvSpPr>
+          <p:cNvPr id="3" name="Notes Placeholder 2"/>
+          <p:cNvSpPr>
+            <a:spLocks noGrp="1"/>
+          </p:cNvSpPr>
+          <p:nvPr>
+            <p:ph type="body" idx="1"/>
+          </p:nvPr>
+        </p:nvSpPr>
+        <p:spPr/>
+        <p:txBody>
+          <a:bodyPr/>
+          <a:lstStyle/>
+          <a:p>
+            <a:r>
+              <a:rPr lang="en-US" dirty="0"/>
+              <a:t>Kerry	</a:t>
+            </a:r>
+          </a:p>
+        </p:txBody>
+      </p:sp>
+      <p:sp>
+        <p:nvSpPr>
+          <p:cNvPr id="4" name="Slide Number Placeholder 3"/>
+          <p:cNvSpPr>
+            <a:spLocks noGrp="1"/>
+          </p:cNvSpPr>
+          <p:nvPr>
+            <p:ph type="sldNum" sz="quarter" idx="5"/>
+          </p:nvPr>
+        </p:nvSpPr>
+        <p:spPr/>
+        <p:txBody>
+          <a:bodyPr/>
+          <a:lstStyle/>
+          <a:p>
+            <a:fld id="{284694F9-182F-4ACD-ABF1-4A1202476FB8}" type="slidenum">
+              <a:rPr lang="en-US" smtClean="0"/>
+              <a:t>6</a:t>
+            </a:fld>
+            <a:endParaRPr lang="en-US"/>
+          </a:p>
+        </p:txBody>
+      </p:sp>
+    </p:spTree>
+    <p:extLst>
+      <p:ext uri="{BB962C8B-B14F-4D97-AF65-F5344CB8AC3E}">
+        <p14:creationId xmlns:p14="http://schemas.microsoft.com/office/powerpoint/2010/main" val="1576672819"/>
+      </p:ext>
+    </p:extLst>
+  </p:cSld>
+  <p:clrMapOvr>
+    <a:masterClrMapping/>
+  </p:clrMapOvr>
+</p:notes>
+</file>
+
+<file path=ppt/notesSlides/notesSlide7.xml><?xml version="1.0" encoding="utf-8"?>
+<p:notes xmlns:a="http://schemas.openxmlformats.org/drawingml/2006/main" xmlns:r="http://schemas.openxmlformats.org/officeDocument/2006/relationships" xmlns:p="http://schemas.openxmlformats.org/presentationml/2006/main">
+  <p:cSld>
+    <p:spTree>
+      <p:nvGrpSpPr>
+        <p:cNvPr id="1" name=""/>
+        <p:cNvGrpSpPr/>
+        <p:nvPr/>
+      </p:nvGrpSpPr>
+      <p:grpSpPr>
+        <a:xfrm>
+          <a:off x="0" y="0"/>
+          <a:ext cx="0" cy="0"/>
+          <a:chOff x="0" y="0"/>
+          <a:chExt cx="0" cy="0"/>
+        </a:xfrm>
+      </p:grpSpPr>
+      <p:sp>
+        <p:nvSpPr>
+          <p:cNvPr id="2" name="Slide Image Placeholder 1"/>
+          <p:cNvSpPr>
+            <a:spLocks noGrp="1" noRot="1" noChangeAspect="1"/>
+          </p:cNvSpPr>
+          <p:nvPr>
+            <p:ph type="sldImg"/>
+          </p:nvPr>
+        </p:nvSpPr>
+        <p:spPr/>
+      </p:sp>
+      <p:sp>
+        <p:nvSpPr>
+          <p:cNvPr id="3" name="Notes Placeholder 2"/>
+          <p:cNvSpPr>
+            <a:spLocks noGrp="1"/>
+          </p:cNvSpPr>
+          <p:nvPr>
+            <p:ph type="body" idx="1"/>
+          </p:nvPr>
+        </p:nvSpPr>
+        <p:spPr/>
+        <p:txBody>
+          <a:bodyPr/>
+          <a:lstStyle/>
+          <a:p>
+            <a:r>
+              <a:rPr lang="en-US" dirty="0"/>
+              <a:t>Kerry	</a:t>
+            </a:r>
+          </a:p>
+        </p:txBody>
+      </p:sp>
+      <p:sp>
+        <p:nvSpPr>
+          <p:cNvPr id="4" name="Slide Number Placeholder 3"/>
+          <p:cNvSpPr>
+            <a:spLocks noGrp="1"/>
+          </p:cNvSpPr>
+          <p:nvPr>
+            <p:ph type="sldNum" sz="quarter" idx="5"/>
+          </p:nvPr>
+        </p:nvSpPr>
+        <p:spPr/>
+        <p:txBody>
+          <a:bodyPr/>
+          <a:lstStyle/>
+          <a:p>
+            <a:fld id="{284694F9-182F-4ACD-ABF1-4A1202476FB8}" type="slidenum">
+              <a:rPr lang="en-US" smtClean="0"/>
+              <a:t>7</a:t>
+            </a:fld>
+            <a:endParaRPr lang="en-US"/>
+          </a:p>
+        </p:txBody>
+      </p:sp>
+    </p:spTree>
+    <p:extLst>
+      <p:ext uri="{BB962C8B-B14F-4D97-AF65-F5344CB8AC3E}">
+        <p14:creationId xmlns:p14="http://schemas.microsoft.com/office/powerpoint/2010/main" val="1106549631"/>
+      </p:ext>
+    </p:extLst>
+  </p:cSld>
+  <p:clrMapOvr>
+    <a:masterClrMapping/>
+  </p:clrMapOvr>
+</p:notes>
+</file>
+
+<file path=ppt/notesSlides/notesSlide8.xml><?xml version="1.0" encoding="utf-8"?>
+<p:notes xmlns:a="http://schemas.openxmlformats.org/drawingml/2006/main" xmlns:r="http://schemas.openxmlformats.org/officeDocument/2006/relationships" xmlns:p="http://schemas.openxmlformats.org/presentationml/2006/main">
+  <p:cSld>
+    <p:spTree>
+      <p:nvGrpSpPr>
+        <p:cNvPr id="1" name=""/>
+        <p:cNvGrpSpPr/>
+        <p:nvPr/>
+      </p:nvGrpSpPr>
+      <p:grpSpPr>
+        <a:xfrm>
+          <a:off x="0" y="0"/>
+          <a:ext cx="0" cy="0"/>
+          <a:chOff x="0" y="0"/>
+          <a:chExt cx="0" cy="0"/>
+        </a:xfrm>
+      </p:grpSpPr>
+      <p:sp>
+        <p:nvSpPr>
+          <p:cNvPr id="2" name="Slide Image Placeholder 1"/>
+          <p:cNvSpPr>
+            <a:spLocks noGrp="1" noRot="1" noChangeAspect="1"/>
+          </p:cNvSpPr>
+          <p:nvPr>
+            <p:ph type="sldImg"/>
+          </p:nvPr>
+        </p:nvSpPr>
+        <p:spPr/>
+      </p:sp>
+      <p:sp>
+        <p:nvSpPr>
+          <p:cNvPr id="3" name="Notes Placeholder 2"/>
+          <p:cNvSpPr>
+            <a:spLocks noGrp="1"/>
+          </p:cNvSpPr>
+          <p:nvPr>
+            <p:ph type="body" idx="1"/>
+          </p:nvPr>
+        </p:nvSpPr>
+        <p:spPr/>
+        <p:txBody>
+          <a:bodyPr/>
+          <a:lstStyle/>
+          <a:p>
+            <a:r>
+              <a:rPr lang="en-US" dirty="0"/>
+              <a:t>Kerry</a:t>
+            </a:r>
           </a:p>
         </p:txBody>
       </p:sp>
@@ -715,7 +1514,98 @@
     </p:spTree>
     <p:extLst>
       <p:ext uri="{BB962C8B-B14F-4D97-AF65-F5344CB8AC3E}">
-        <p14:creationId xmlns:p14="http://schemas.microsoft.com/office/powerpoint/2010/main" val="1864793584"/>
+        <p14:creationId xmlns:p14="http://schemas.microsoft.com/office/powerpoint/2010/main" val="2011564531"/>
+      </p:ext>
+    </p:extLst>
+  </p:cSld>
+  <p:clrMapOvr>
+    <a:masterClrMapping/>
+  </p:clrMapOvr>
+</p:notes>
+</file>
+
+<file path=ppt/notesSlides/notesSlide9.xml><?xml version="1.0" encoding="utf-8"?>
+<p:notes xmlns:a="http://schemas.openxmlformats.org/drawingml/2006/main" xmlns:r="http://schemas.openxmlformats.org/officeDocument/2006/relationships" xmlns:p="http://schemas.openxmlformats.org/presentationml/2006/main">
+  <p:cSld>
+    <p:spTree>
+      <p:nvGrpSpPr>
+        <p:cNvPr id="1" name=""/>
+        <p:cNvGrpSpPr/>
+        <p:nvPr/>
+      </p:nvGrpSpPr>
+      <p:grpSpPr>
+        <a:xfrm>
+          <a:off x="0" y="0"/>
+          <a:ext cx="0" cy="0"/>
+          <a:chOff x="0" y="0"/>
+          <a:chExt cx="0" cy="0"/>
+        </a:xfrm>
+      </p:grpSpPr>
+      <p:sp>
+        <p:nvSpPr>
+          <p:cNvPr id="2" name="Slide Image Placeholder 1"/>
+          <p:cNvSpPr>
+            <a:spLocks noGrp="1" noRot="1" noChangeAspect="1"/>
+          </p:cNvSpPr>
+          <p:nvPr>
+            <p:ph type="sldImg"/>
+          </p:nvPr>
+        </p:nvSpPr>
+        <p:spPr/>
+      </p:sp>
+      <p:sp>
+        <p:nvSpPr>
+          <p:cNvPr id="3" name="Notes Placeholder 2"/>
+          <p:cNvSpPr>
+            <a:spLocks noGrp="1"/>
+          </p:cNvSpPr>
+          <p:nvPr>
+            <p:ph type="body" idx="1"/>
+          </p:nvPr>
+        </p:nvSpPr>
+        <p:spPr/>
+        <p:txBody>
+          <a:bodyPr/>
+          <a:lstStyle/>
+          <a:p>
+            <a:r>
+              <a:rPr lang="en-US" dirty="0" err="1"/>
+              <a:t>Delayna</a:t>
+            </a:r>
+            <a:r>
+              <a:rPr lang="en-US" dirty="0"/>
+              <a:t>	</a:t>
+            </a:r>
+          </a:p>
+        </p:txBody>
+      </p:sp>
+      <p:sp>
+        <p:nvSpPr>
+          <p:cNvPr id="4" name="Slide Number Placeholder 3"/>
+          <p:cNvSpPr>
+            <a:spLocks noGrp="1"/>
+          </p:cNvSpPr>
+          <p:nvPr>
+            <p:ph type="sldNum" sz="quarter" idx="5"/>
+          </p:nvPr>
+        </p:nvSpPr>
+        <p:spPr/>
+        <p:txBody>
+          <a:bodyPr/>
+          <a:lstStyle/>
+          <a:p>
+            <a:fld id="{284694F9-182F-4ACD-ABF1-4A1202476FB8}" type="slidenum">
+              <a:rPr lang="en-US" smtClean="0"/>
+              <a:t>9</a:t>
+            </a:fld>
+            <a:endParaRPr lang="en-US"/>
+          </a:p>
+        </p:txBody>
+      </p:sp>
+    </p:spTree>
+    <p:extLst>
+      <p:ext uri="{BB962C8B-B14F-4D97-AF65-F5344CB8AC3E}">
+        <p14:creationId xmlns:p14="http://schemas.microsoft.com/office/powerpoint/2010/main" val="2695086909"/>
       </p:ext>
     </p:extLst>
   </p:cSld>
@@ -7554,7 +8444,7 @@
           <p:cNvPr id="2" name="Title 1">
             <a:extLst>
               <a:ext uri="{FF2B5EF4-FFF2-40B4-BE49-F238E27FC236}">
-                <a16:creationId xmlns:a16="http://schemas.microsoft.com/office/drawing/2014/main" id="{9203078C-7E32-B241-8FF1-8013DBA677E4}"/>
+                <a16:creationId xmlns:a16="http://schemas.microsoft.com/office/drawing/2014/main" id="{C8785C0E-4D33-4FF0-B79E-ACA047717F50}"/>
               </a:ext>
             </a:extLst>
           </p:cNvPr>
@@ -7563,161 +8453,6 @@
           </p:cNvSpPr>
           <p:nvPr>
             <p:ph type="title"/>
-          </p:nvPr>
-        </p:nvSpPr>
-        <p:spPr/>
-        <p:txBody>
-          <a:bodyPr/>
-          <a:lstStyle/>
-          <a:p>
-            <a:r>
-              <a:rPr lang="en-US" dirty="0"/>
-              <a:t>Conclusions!</a:t>
-            </a:r>
-          </a:p>
-        </p:txBody>
-      </p:sp>
-      <p:sp>
-        <p:nvSpPr>
-          <p:cNvPr id="3" name="Content Placeholder 2">
-            <a:extLst>
-              <a:ext uri="{FF2B5EF4-FFF2-40B4-BE49-F238E27FC236}">
-                <a16:creationId xmlns:a16="http://schemas.microsoft.com/office/drawing/2014/main" id="{26CD1200-0551-8D4B-B6E2-1F353CAC3130}"/>
-              </a:ext>
-            </a:extLst>
-          </p:cNvPr>
-          <p:cNvSpPr>
-            <a:spLocks noGrp="1"/>
-          </p:cNvSpPr>
-          <p:nvPr>
-            <p:ph idx="1"/>
-          </p:nvPr>
-        </p:nvSpPr>
-        <p:spPr/>
-        <p:txBody>
-          <a:bodyPr/>
-          <a:lstStyle/>
-          <a:p>
-            <a:r>
-              <a:rPr lang="en-US" dirty="0"/>
-              <a:t>For the vast majority of Austin zip codes, the income has increased from 2011-2016.</a:t>
-            </a:r>
-          </a:p>
-          <a:p>
-            <a:r>
-              <a:rPr lang="en-US" dirty="0"/>
-              <a:t>For the majority of the zip codes in all of Austin, crime rates decreased from 2011-2016.</a:t>
-            </a:r>
-          </a:p>
-          <a:p>
-            <a:r>
-              <a:rPr lang="en-US" dirty="0"/>
-              <a:t>There is no significant correlation between the age/population and income.</a:t>
-            </a:r>
-          </a:p>
-          <a:p>
-            <a:r>
-              <a:rPr lang="en-US" dirty="0"/>
-              <a:t>Neither age nor population have a significant effect on crime.</a:t>
-            </a:r>
-          </a:p>
-          <a:p>
-            <a:r>
-              <a:rPr lang="en-US" dirty="0"/>
-              <a:t>There is a certain degree of correlation between income and crime.</a:t>
-            </a:r>
-          </a:p>
-          <a:p>
-            <a:endParaRPr lang="en-US" dirty="0"/>
-          </a:p>
-          <a:p>
-            <a:pPr marL="0" indent="0">
-              <a:buNone/>
-            </a:pPr>
-            <a:r>
-              <a:rPr lang="en-US" b="1" i="1" dirty="0">
-                <a:latin typeface="Cambria" panose="02040503050406030204" pitchFamily="18" charset="0"/>
-              </a:rPr>
-              <a:t>For future research, deeper investigation can be taken to research different types of crime in zip codes.</a:t>
-            </a:r>
-          </a:p>
-          <a:p>
-            <a:endParaRPr lang="en-US" dirty="0"/>
-          </a:p>
-        </p:txBody>
-      </p:sp>
-    </p:spTree>
-    <p:extLst>
-      <p:ext uri="{BB962C8B-B14F-4D97-AF65-F5344CB8AC3E}">
-        <p14:creationId xmlns:p14="http://schemas.microsoft.com/office/powerpoint/2010/main" val="2984794533"/>
-      </p:ext>
-    </p:extLst>
-  </p:cSld>
-  <p:clrMapOvr>
-    <a:masterClrMapping/>
-  </p:clrMapOvr>
-</p:sld>
-</file>
-
-<file path=ppt/slides/slide2.xml><?xml version="1.0" encoding="utf-8"?>
-<p:sld xmlns:a="http://schemas.openxmlformats.org/drawingml/2006/main" xmlns:r="http://schemas.openxmlformats.org/officeDocument/2006/relationships" xmlns:p="http://schemas.openxmlformats.org/presentationml/2006/main">
-  <p:cSld>
-    <p:spTree>
-      <p:nvGrpSpPr>
-        <p:cNvPr id="1" name=""/>
-        <p:cNvGrpSpPr/>
-        <p:nvPr/>
-      </p:nvGrpSpPr>
-      <p:grpSpPr>
-        <a:xfrm>
-          <a:off x="0" y="0"/>
-          <a:ext cx="0" cy="0"/>
-          <a:chOff x="0" y="0"/>
-          <a:chExt cx="0" cy="0"/>
-        </a:xfrm>
-      </p:grpSpPr>
-      <p:sp>
-        <p:nvSpPr>
-          <p:cNvPr id="2" name="Title 1">
-            <a:extLst>
-              <a:ext uri="{FF2B5EF4-FFF2-40B4-BE49-F238E27FC236}">
-                <a16:creationId xmlns:a16="http://schemas.microsoft.com/office/drawing/2014/main" id="{5A4DD4EF-46CD-994B-8774-80473662CE3C}"/>
-              </a:ext>
-            </a:extLst>
-          </p:cNvPr>
-          <p:cNvSpPr>
-            <a:spLocks noGrp="1"/>
-          </p:cNvSpPr>
-          <p:nvPr>
-            <p:ph type="title"/>
-          </p:nvPr>
-        </p:nvSpPr>
-        <p:spPr/>
-        <p:txBody>
-          <a:bodyPr/>
-          <a:lstStyle/>
-          <a:p>
-            <a:r>
-              <a:rPr lang="en-US" dirty="0"/>
-              <a:t>Hypothesis!</a:t>
-            </a:r>
-          </a:p>
-        </p:txBody>
-      </p:sp>
-      <p:sp>
-        <p:nvSpPr>
-          <p:cNvPr id="3" name="Content Placeholder 2">
-            <a:extLst>
-              <a:ext uri="{FF2B5EF4-FFF2-40B4-BE49-F238E27FC236}">
-                <a16:creationId xmlns:a16="http://schemas.microsoft.com/office/drawing/2014/main" id="{3B4A7A52-F999-3244-B520-D0018DE1306A}"/>
-              </a:ext>
-            </a:extLst>
-          </p:cNvPr>
-          <p:cNvSpPr>
-            <a:spLocks noGrp="1"/>
-          </p:cNvSpPr>
-          <p:nvPr>
-            <p:ph idx="1"/>
           </p:nvPr>
         </p:nvSpPr>
         <p:spPr/>
@@ -7727,655 +8462,8 @@
           </a:bodyPr>
           <a:lstStyle/>
           <a:p>
-            <a:pPr marL="0" indent="0" algn="ctr">
-              <a:buNone/>
-            </a:pPr>
-            <a:r>
-              <a:rPr lang="en-US" sz="4400" dirty="0"/>
-              <a:t>There is an inverse relationship between income and crime in the city of Austin, Texas.</a:t>
-            </a:r>
-          </a:p>
-        </p:txBody>
-      </p:sp>
-    </p:spTree>
-    <p:extLst>
-      <p:ext uri="{BB962C8B-B14F-4D97-AF65-F5344CB8AC3E}">
-        <p14:creationId xmlns:p14="http://schemas.microsoft.com/office/powerpoint/2010/main" val="3554115508"/>
-      </p:ext>
-    </p:extLst>
-  </p:cSld>
-  <p:clrMapOvr>
-    <a:masterClrMapping/>
-  </p:clrMapOvr>
-</p:sld>
-</file>
-
-<file path=ppt/slides/slide3.xml><?xml version="1.0" encoding="utf-8"?>
-<p:sld xmlns:a="http://schemas.openxmlformats.org/drawingml/2006/main" xmlns:r="http://schemas.openxmlformats.org/officeDocument/2006/relationships" xmlns:p="http://schemas.openxmlformats.org/presentationml/2006/main">
-  <p:cSld>
-    <p:spTree>
-      <p:nvGrpSpPr>
-        <p:cNvPr id="1" name=""/>
-        <p:cNvGrpSpPr/>
-        <p:nvPr/>
-      </p:nvGrpSpPr>
-      <p:grpSpPr>
-        <a:xfrm>
-          <a:off x="0" y="0"/>
-          <a:ext cx="0" cy="0"/>
-          <a:chOff x="0" y="0"/>
-          <a:chExt cx="0" cy="0"/>
-        </a:xfrm>
-      </p:grpSpPr>
-      <p:sp>
-        <p:nvSpPr>
-          <p:cNvPr id="2" name="Title 1">
-            <a:extLst>
-              <a:ext uri="{FF2B5EF4-FFF2-40B4-BE49-F238E27FC236}">
-                <a16:creationId xmlns:a16="http://schemas.microsoft.com/office/drawing/2014/main" id="{2413C71B-0B1F-704F-A683-0559479B9E5A}"/>
-              </a:ext>
-            </a:extLst>
-          </p:cNvPr>
-          <p:cNvSpPr>
-            <a:spLocks noGrp="1"/>
-          </p:cNvSpPr>
-          <p:nvPr>
-            <p:ph type="title"/>
-          </p:nvPr>
-        </p:nvSpPr>
-        <p:spPr/>
-        <p:txBody>
-          <a:bodyPr/>
-          <a:lstStyle/>
-          <a:p>
-            <a:r>
-              <a:rPr lang="en-US" dirty="0"/>
-              <a:t>Data Sources, Exploration and Analysis!</a:t>
-            </a:r>
-          </a:p>
-        </p:txBody>
-      </p:sp>
-      <p:sp>
-        <p:nvSpPr>
-          <p:cNvPr id="3" name="Content Placeholder 2">
-            <a:extLst>
-              <a:ext uri="{FF2B5EF4-FFF2-40B4-BE49-F238E27FC236}">
-                <a16:creationId xmlns:a16="http://schemas.microsoft.com/office/drawing/2014/main" id="{70DFB3EE-89A3-454D-857A-FA85A252BEB0}"/>
-              </a:ext>
-            </a:extLst>
-          </p:cNvPr>
-          <p:cNvSpPr>
-            <a:spLocks noGrp="1"/>
-          </p:cNvSpPr>
-          <p:nvPr>
-            <p:ph idx="1"/>
-          </p:nvPr>
-        </p:nvSpPr>
-        <p:spPr/>
-        <p:txBody>
-          <a:bodyPr/>
-          <a:lstStyle/>
-          <a:p>
-            <a:r>
-              <a:rPr lang="en-US" sz="3600" dirty="0"/>
-              <a:t>Austintexas.gov (https://data.austintexas.gov/resource/mfej-x5pm.json)</a:t>
-            </a:r>
-          </a:p>
-          <a:p>
-            <a:r>
-              <a:rPr lang="en-US" sz="3600" dirty="0"/>
-              <a:t>Census (Census API)</a:t>
-            </a:r>
-          </a:p>
-          <a:p>
-            <a:endParaRPr lang="en-US" dirty="0"/>
-          </a:p>
-        </p:txBody>
-      </p:sp>
-    </p:spTree>
-    <p:extLst>
-      <p:ext uri="{BB962C8B-B14F-4D97-AF65-F5344CB8AC3E}">
-        <p14:creationId xmlns:p14="http://schemas.microsoft.com/office/powerpoint/2010/main" val="4182056592"/>
-      </p:ext>
-    </p:extLst>
-  </p:cSld>
-  <p:clrMapOvr>
-    <a:masterClrMapping/>
-  </p:clrMapOvr>
-</p:sld>
-</file>
-
-<file path=ppt/slides/slide4.xml><?xml version="1.0" encoding="utf-8"?>
-<p:sld xmlns:a="http://schemas.openxmlformats.org/drawingml/2006/main" xmlns:r="http://schemas.openxmlformats.org/officeDocument/2006/relationships" xmlns:p="http://schemas.openxmlformats.org/presentationml/2006/main">
-  <p:cSld>
-    <p:spTree>
-      <p:nvGrpSpPr>
-        <p:cNvPr id="1" name=""/>
-        <p:cNvGrpSpPr/>
-        <p:nvPr/>
-      </p:nvGrpSpPr>
-      <p:grpSpPr>
-        <a:xfrm>
-          <a:off x="0" y="0"/>
-          <a:ext cx="0" cy="0"/>
-          <a:chOff x="0" y="0"/>
-          <a:chExt cx="0" cy="0"/>
-        </a:xfrm>
-      </p:grpSpPr>
-      <p:sp>
-        <p:nvSpPr>
-          <p:cNvPr id="2" name="Title 1">
-            <a:extLst>
-              <a:ext uri="{FF2B5EF4-FFF2-40B4-BE49-F238E27FC236}">
-                <a16:creationId xmlns:a16="http://schemas.microsoft.com/office/drawing/2014/main" id="{C7C89ED9-2D51-4241-B67D-A43C0157F41F}"/>
-              </a:ext>
-            </a:extLst>
-          </p:cNvPr>
-          <p:cNvSpPr>
-            <a:spLocks noGrp="1"/>
-          </p:cNvSpPr>
-          <p:nvPr>
-            <p:ph type="title"/>
-          </p:nvPr>
-        </p:nvSpPr>
-        <p:spPr/>
-        <p:txBody>
-          <a:bodyPr/>
-          <a:lstStyle/>
-          <a:p>
-            <a:pPr algn="ctr"/>
-            <a:r>
-              <a:rPr lang="en-US" dirty="0"/>
-              <a:t>Data exploration and clean up process!</a:t>
-            </a:r>
-          </a:p>
-        </p:txBody>
-      </p:sp>
-      <p:sp>
-        <p:nvSpPr>
-          <p:cNvPr id="3" name="Content Placeholder 2">
-            <a:extLst>
-              <a:ext uri="{FF2B5EF4-FFF2-40B4-BE49-F238E27FC236}">
-                <a16:creationId xmlns:a16="http://schemas.microsoft.com/office/drawing/2014/main" id="{BD89A1EB-CA74-41AE-B09D-625F8430DD05}"/>
-              </a:ext>
-            </a:extLst>
-          </p:cNvPr>
-          <p:cNvSpPr>
-            <a:spLocks noGrp="1"/>
-          </p:cNvSpPr>
-          <p:nvPr>
-            <p:ph idx="1"/>
-          </p:nvPr>
-        </p:nvSpPr>
-        <p:spPr/>
-        <p:txBody>
-          <a:bodyPr/>
-          <a:lstStyle/>
-          <a:p>
-            <a:r>
-              <a:rPr lang="en-US" dirty="0"/>
-              <a:t>For census data, we used an API key to pull 2011 &amp; 2016 data by zip code.</a:t>
-            </a:r>
-          </a:p>
-          <a:p>
-            <a:r>
-              <a:rPr lang="en-US" dirty="0"/>
-              <a:t>For crime data, we filtered the CSV files to gather data for crimes that occurred in 2011 &amp; 2016.</a:t>
-            </a:r>
-          </a:p>
-          <a:p>
-            <a:r>
-              <a:rPr lang="en-US" dirty="0"/>
-              <a:t>Gathered the list of Austin zip codes from the crime data, used a for-loop to pull those zip codes from the census data.</a:t>
-            </a:r>
-          </a:p>
-          <a:p>
-            <a:r>
-              <a:rPr lang="en-US" dirty="0"/>
-              <a:t>Merged the years (2011 and 2016) into the same data frame.</a:t>
-            </a:r>
-          </a:p>
-          <a:p>
-            <a:r>
-              <a:rPr lang="en-US" dirty="0"/>
-              <a:t>For crime, we also counted the crimes per zip codes.</a:t>
-            </a:r>
-          </a:p>
-        </p:txBody>
-      </p:sp>
-    </p:spTree>
-    <p:extLst>
-      <p:ext uri="{BB962C8B-B14F-4D97-AF65-F5344CB8AC3E}">
-        <p14:creationId xmlns:p14="http://schemas.microsoft.com/office/powerpoint/2010/main" val="3690054305"/>
-      </p:ext>
-    </p:extLst>
-  </p:cSld>
-  <p:clrMapOvr>
-    <a:masterClrMapping/>
-  </p:clrMapOvr>
-</p:sld>
-</file>
-
-<file path=ppt/slides/slide5.xml><?xml version="1.0" encoding="utf-8"?>
-<p:sld xmlns:a="http://schemas.openxmlformats.org/drawingml/2006/main" xmlns:r="http://schemas.openxmlformats.org/officeDocument/2006/relationships" xmlns:p="http://schemas.openxmlformats.org/presentationml/2006/main">
-  <p:cSld>
-    <p:spTree>
-      <p:nvGrpSpPr>
-        <p:cNvPr id="1" name=""/>
-        <p:cNvGrpSpPr/>
-        <p:nvPr/>
-      </p:nvGrpSpPr>
-      <p:grpSpPr>
-        <a:xfrm>
-          <a:off x="0" y="0"/>
-          <a:ext cx="0" cy="0"/>
-          <a:chOff x="0" y="0"/>
-          <a:chExt cx="0" cy="0"/>
-        </a:xfrm>
-      </p:grpSpPr>
-      <p:sp>
-        <p:nvSpPr>
-          <p:cNvPr id="2" name="Title 1">
-            <a:extLst>
-              <a:ext uri="{FF2B5EF4-FFF2-40B4-BE49-F238E27FC236}">
-                <a16:creationId xmlns:a16="http://schemas.microsoft.com/office/drawing/2014/main" id="{688CD32E-22DF-47FA-A779-FA4354E13180}"/>
-              </a:ext>
-            </a:extLst>
-          </p:cNvPr>
-          <p:cNvSpPr>
-            <a:spLocks noGrp="1"/>
-          </p:cNvSpPr>
-          <p:nvPr>
-            <p:ph type="title"/>
-          </p:nvPr>
-        </p:nvSpPr>
-        <p:spPr/>
-        <p:txBody>
-          <a:bodyPr>
-            <a:normAutofit fontScale="90000"/>
-          </a:bodyPr>
-          <a:lstStyle/>
-          <a:p>
-            <a:r>
-              <a:rPr lang="en-US" sz="4400" dirty="0"/>
-              <a:t>How have crime rates changed by zip code from 2011 to 2016?! All of Austin</a:t>
-            </a:r>
-            <a:r>
-              <a:rPr lang="en-US" dirty="0"/>
-              <a:t>?!</a:t>
-            </a:r>
-            <a:br>
-              <a:rPr lang="en-US" dirty="0"/>
-            </a:br>
-            <a:endParaRPr lang="en-US" dirty="0"/>
-          </a:p>
-        </p:txBody>
-      </p:sp>
-      <p:pic>
-        <p:nvPicPr>
-          <p:cNvPr id="5" name="Content Placeholder 4">
-            <a:extLst>
-              <a:ext uri="{FF2B5EF4-FFF2-40B4-BE49-F238E27FC236}">
-                <a16:creationId xmlns:a16="http://schemas.microsoft.com/office/drawing/2014/main" id="{3335538B-FB8E-4D1F-A3D6-1BD3AAE96545}"/>
-              </a:ext>
-            </a:extLst>
-          </p:cNvPr>
-          <p:cNvPicPr>
-            <a:picLocks noGrp="1" noChangeAspect="1"/>
-          </p:cNvPicPr>
-          <p:nvPr>
-            <p:ph idx="1"/>
-          </p:nvPr>
-        </p:nvPicPr>
-        <p:blipFill>
-          <a:blip r:embed="rId2"/>
-          <a:stretch>
-            <a:fillRect/>
-          </a:stretch>
-        </p:blipFill>
-        <p:spPr>
-          <a:xfrm>
-            <a:off x="1586203" y="1874517"/>
-            <a:ext cx="9554547" cy="4601098"/>
-          </a:xfrm>
-          <a:prstGeom prst="rect">
-            <a:avLst/>
-          </a:prstGeom>
-        </p:spPr>
-      </p:pic>
-    </p:spTree>
-    <p:extLst>
-      <p:ext uri="{BB962C8B-B14F-4D97-AF65-F5344CB8AC3E}">
-        <p14:creationId xmlns:p14="http://schemas.microsoft.com/office/powerpoint/2010/main" val="2190197732"/>
-      </p:ext>
-    </p:extLst>
-  </p:cSld>
-  <p:clrMapOvr>
-    <a:masterClrMapping/>
-  </p:clrMapOvr>
-</p:sld>
-</file>
-
-<file path=ppt/slides/slide6.xml><?xml version="1.0" encoding="utf-8"?>
-<p:sld xmlns:a="http://schemas.openxmlformats.org/drawingml/2006/main" xmlns:r="http://schemas.openxmlformats.org/officeDocument/2006/relationships" xmlns:p="http://schemas.openxmlformats.org/presentationml/2006/main">
-  <p:cSld>
-    <p:spTree>
-      <p:nvGrpSpPr>
-        <p:cNvPr id="1" name=""/>
-        <p:cNvGrpSpPr/>
-        <p:nvPr/>
-      </p:nvGrpSpPr>
-      <p:grpSpPr>
-        <a:xfrm>
-          <a:off x="0" y="0"/>
-          <a:ext cx="0" cy="0"/>
-          <a:chOff x="0" y="0"/>
-          <a:chExt cx="0" cy="0"/>
-        </a:xfrm>
-      </p:grpSpPr>
-      <p:sp>
-        <p:nvSpPr>
-          <p:cNvPr id="2" name="Title 1">
-            <a:extLst>
-              <a:ext uri="{FF2B5EF4-FFF2-40B4-BE49-F238E27FC236}">
-                <a16:creationId xmlns:a16="http://schemas.microsoft.com/office/drawing/2014/main" id="{65B0CD2F-98AF-4FBB-8386-62B2669CABFA}"/>
-              </a:ext>
-            </a:extLst>
-          </p:cNvPr>
-          <p:cNvSpPr>
-            <a:spLocks noGrp="1"/>
-          </p:cNvSpPr>
-          <p:nvPr>
-            <p:ph type="title"/>
-          </p:nvPr>
-        </p:nvSpPr>
-        <p:spPr/>
-        <p:txBody>
-          <a:bodyPr>
-            <a:normAutofit fontScale="90000"/>
-          </a:bodyPr>
-          <a:lstStyle/>
-          <a:p>
-            <a:r>
-              <a:rPr lang="en-US" sz="4400" dirty="0"/>
-              <a:t>How have incomes changed by zip code from 2011 to 2016 (5 year look)?!</a:t>
-            </a:r>
-            <a:br>
-              <a:rPr lang="en-US" dirty="0"/>
-            </a:br>
-            <a:endParaRPr lang="en-US" dirty="0"/>
-          </a:p>
-        </p:txBody>
-      </p:sp>
-      <p:pic>
-        <p:nvPicPr>
-          <p:cNvPr id="5" name="Content Placeholder 4">
-            <a:extLst>
-              <a:ext uri="{FF2B5EF4-FFF2-40B4-BE49-F238E27FC236}">
-                <a16:creationId xmlns:a16="http://schemas.microsoft.com/office/drawing/2014/main" id="{153716DB-A469-4196-A8BB-889A1767C3BC}"/>
-              </a:ext>
-            </a:extLst>
-          </p:cNvPr>
-          <p:cNvPicPr>
-            <a:picLocks noGrp="1" noChangeAspect="1"/>
-          </p:cNvPicPr>
-          <p:nvPr>
-            <p:ph idx="1"/>
-          </p:nvPr>
-        </p:nvPicPr>
-        <p:blipFill>
-          <a:blip r:embed="rId3"/>
-          <a:stretch>
-            <a:fillRect/>
-          </a:stretch>
-        </p:blipFill>
-        <p:spPr>
-          <a:xfrm>
-            <a:off x="1408922" y="1651519"/>
-            <a:ext cx="9937102" cy="5094514"/>
-          </a:xfrm>
-          <a:prstGeom prst="rect">
-            <a:avLst/>
-          </a:prstGeom>
-        </p:spPr>
-      </p:pic>
-    </p:spTree>
-    <p:extLst>
-      <p:ext uri="{BB962C8B-B14F-4D97-AF65-F5344CB8AC3E}">
-        <p14:creationId xmlns:p14="http://schemas.microsoft.com/office/powerpoint/2010/main" val="2685615373"/>
-      </p:ext>
-    </p:extLst>
-  </p:cSld>
-  <p:clrMapOvr>
-    <a:masterClrMapping/>
-  </p:clrMapOvr>
-</p:sld>
-</file>
-
-<file path=ppt/slides/slide7.xml><?xml version="1.0" encoding="utf-8"?>
-<p:sld xmlns:a="http://schemas.openxmlformats.org/drawingml/2006/main" xmlns:r="http://schemas.openxmlformats.org/officeDocument/2006/relationships" xmlns:p="http://schemas.openxmlformats.org/presentationml/2006/main">
-  <p:cSld>
-    <p:spTree>
-      <p:nvGrpSpPr>
-        <p:cNvPr id="1" name=""/>
-        <p:cNvGrpSpPr/>
-        <p:nvPr/>
-      </p:nvGrpSpPr>
-      <p:grpSpPr>
-        <a:xfrm>
-          <a:off x="0" y="0"/>
-          <a:ext cx="0" cy="0"/>
-          <a:chOff x="0" y="0"/>
-          <a:chExt cx="0" cy="0"/>
-        </a:xfrm>
-      </p:grpSpPr>
-      <p:sp>
-        <p:nvSpPr>
-          <p:cNvPr id="2" name="Title 1">
-            <a:extLst>
-              <a:ext uri="{FF2B5EF4-FFF2-40B4-BE49-F238E27FC236}">
-                <a16:creationId xmlns:a16="http://schemas.microsoft.com/office/drawing/2014/main" id="{DA9B70CF-3314-453D-B2ED-FE8DC41EBD2C}"/>
-              </a:ext>
-            </a:extLst>
-          </p:cNvPr>
-          <p:cNvSpPr>
-            <a:spLocks noGrp="1"/>
-          </p:cNvSpPr>
-          <p:nvPr>
-            <p:ph type="title"/>
-          </p:nvPr>
-        </p:nvSpPr>
-        <p:spPr>
-          <a:xfrm>
-            <a:off x="1222310" y="382384"/>
-            <a:ext cx="10207690" cy="1427755"/>
-          </a:xfrm>
-        </p:spPr>
-        <p:txBody>
-          <a:bodyPr>
-            <a:normAutofit fontScale="90000"/>
-          </a:bodyPr>
-          <a:lstStyle/>
-          <a:p>
-            <a:r>
-              <a:rPr lang="en-US" dirty="0"/>
-              <a:t>Does Age or population have an affect on </a:t>
-            </a:r>
-            <a:r>
-              <a:rPr lang="en-US"/>
-              <a:t>income?! </a:t>
-            </a:r>
-            <a:br>
-              <a:rPr lang="en-US" dirty="0"/>
-            </a:br>
-            <a:br>
-              <a:rPr lang="en-US" dirty="0"/>
-            </a:br>
-            <a:r>
-              <a:rPr lang="en-US" sz="1200" dirty="0">
-                <a:latin typeface="Arial" panose="020B0604020202020204" pitchFamily="34" charset="0"/>
-                <a:cs typeface="Arial" panose="020B0604020202020204" pitchFamily="34" charset="0"/>
-              </a:rPr>
-              <a:t>.</a:t>
-            </a:r>
-            <a:endParaRPr lang="en-US" dirty="0"/>
-          </a:p>
-        </p:txBody>
-      </p:sp>
-      <p:pic>
-        <p:nvPicPr>
-          <p:cNvPr id="13" name="Content Placeholder 12">
-            <a:extLst>
-              <a:ext uri="{FF2B5EF4-FFF2-40B4-BE49-F238E27FC236}">
-                <a16:creationId xmlns:a16="http://schemas.microsoft.com/office/drawing/2014/main" id="{A1D8D5D6-98AB-4B25-B97A-C73A60053F98}"/>
-              </a:ext>
-            </a:extLst>
-          </p:cNvPr>
-          <p:cNvPicPr>
-            <a:picLocks noGrp="1" noChangeAspect="1"/>
-          </p:cNvPicPr>
-          <p:nvPr>
-            <p:ph idx="1"/>
-          </p:nvPr>
-        </p:nvPicPr>
-        <p:blipFill>
-          <a:blip r:embed="rId3"/>
-          <a:stretch>
-            <a:fillRect/>
-          </a:stretch>
-        </p:blipFill>
-        <p:spPr>
-          <a:xfrm>
-            <a:off x="932067" y="2776586"/>
-            <a:ext cx="5163933" cy="3442622"/>
-          </a:xfrm>
-          <a:prstGeom prst="rect">
-            <a:avLst/>
-          </a:prstGeom>
-        </p:spPr>
-      </p:pic>
-      <p:pic>
-        <p:nvPicPr>
-          <p:cNvPr id="14" name="Picture 13">
-            <a:extLst>
-              <a:ext uri="{FF2B5EF4-FFF2-40B4-BE49-F238E27FC236}">
-                <a16:creationId xmlns:a16="http://schemas.microsoft.com/office/drawing/2014/main" id="{A1DF626E-45DA-4B8F-A16D-608A0640AF78}"/>
-              </a:ext>
-            </a:extLst>
-          </p:cNvPr>
-          <p:cNvPicPr>
-            <a:picLocks noChangeAspect="1"/>
-          </p:cNvPicPr>
-          <p:nvPr/>
-        </p:nvPicPr>
-        <p:blipFill>
-          <a:blip r:embed="rId4"/>
-          <a:stretch>
-            <a:fillRect/>
-          </a:stretch>
-        </p:blipFill>
-        <p:spPr>
-          <a:xfrm>
-            <a:off x="6452806" y="2776586"/>
-            <a:ext cx="5163935" cy="3442623"/>
-          </a:xfrm>
-          <a:prstGeom prst="rect">
-            <a:avLst/>
-          </a:prstGeom>
-        </p:spPr>
-      </p:pic>
-      <p:sp>
-        <p:nvSpPr>
-          <p:cNvPr id="4" name="TextBox 3">
-            <a:extLst>
-              <a:ext uri="{FF2B5EF4-FFF2-40B4-BE49-F238E27FC236}">
-                <a16:creationId xmlns:a16="http://schemas.microsoft.com/office/drawing/2014/main" id="{D31962CC-BF99-4E5B-8B7F-43B6142713CC}"/>
-              </a:ext>
-            </a:extLst>
-          </p:cNvPr>
-          <p:cNvSpPr txBox="1"/>
-          <p:nvPr/>
-        </p:nvSpPr>
-        <p:spPr>
-          <a:xfrm>
-            <a:off x="1287624" y="1810140"/>
-            <a:ext cx="9433249" cy="646331"/>
-          </a:xfrm>
-          <a:prstGeom prst="rect">
-            <a:avLst/>
-          </a:prstGeom>
-          <a:noFill/>
-        </p:spPr>
-        <p:txBody>
-          <a:bodyPr wrap="square" rtlCol="0">
-            <a:spAutoFit/>
-          </a:bodyPr>
-          <a:lstStyle/>
-          <a:p>
-            <a:pPr marL="285750" indent="-285750">
-              <a:buFont typeface="Arial" panose="020B0604020202020204" pitchFamily="34" charset="0"/>
-              <a:buChar char="•"/>
-            </a:pPr>
-            <a:r>
-              <a:rPr lang="en-US" dirty="0"/>
-              <a:t>There does not appear to be a relationship between age or population, and per capita, percent change from 2011 – 2016.</a:t>
-            </a:r>
-          </a:p>
-        </p:txBody>
-      </p:sp>
-    </p:spTree>
-    <p:extLst>
-      <p:ext uri="{BB962C8B-B14F-4D97-AF65-F5344CB8AC3E}">
-        <p14:creationId xmlns:p14="http://schemas.microsoft.com/office/powerpoint/2010/main" val="492709746"/>
-      </p:ext>
-    </p:extLst>
-  </p:cSld>
-  <p:clrMapOvr>
-    <a:masterClrMapping/>
-  </p:clrMapOvr>
-</p:sld>
-</file>
-
-<file path=ppt/slides/slide8.xml><?xml version="1.0" encoding="utf-8"?>
-<p:sld xmlns:a="http://schemas.openxmlformats.org/drawingml/2006/main" xmlns:r="http://schemas.openxmlformats.org/officeDocument/2006/relationships" xmlns:p="http://schemas.openxmlformats.org/presentationml/2006/main">
-  <p:cSld>
-    <p:spTree>
-      <p:nvGrpSpPr>
-        <p:cNvPr id="1" name=""/>
-        <p:cNvGrpSpPr/>
-        <p:nvPr/>
-      </p:nvGrpSpPr>
-      <p:grpSpPr>
-        <a:xfrm>
-          <a:off x="0" y="0"/>
-          <a:ext cx="0" cy="0"/>
-          <a:chOff x="0" y="0"/>
-          <a:chExt cx="0" cy="0"/>
-        </a:xfrm>
-      </p:grpSpPr>
-      <p:sp>
-        <p:nvSpPr>
-          <p:cNvPr id="2" name="Title 1">
-            <a:extLst>
-              <a:ext uri="{FF2B5EF4-FFF2-40B4-BE49-F238E27FC236}">
-                <a16:creationId xmlns:a16="http://schemas.microsoft.com/office/drawing/2014/main" id="{C8785C0E-4D33-4FF0-B79E-ACA047717F50}"/>
-              </a:ext>
-            </a:extLst>
-          </p:cNvPr>
-          <p:cNvSpPr>
-            <a:spLocks noGrp="1"/>
-          </p:cNvSpPr>
-          <p:nvPr>
-            <p:ph type="title"/>
-          </p:nvPr>
-        </p:nvSpPr>
-        <p:spPr/>
-        <p:txBody>
-          <a:bodyPr/>
-          <a:lstStyle/>
-          <a:p>
-            <a:r>
-              <a:rPr lang="en-US" dirty="0"/>
+            <a:r>
+              <a:rPr lang="en-US" sz="4600" dirty="0"/>
               <a:t>Does Age or population have an affect on crime?!</a:t>
             </a:r>
           </a:p>
@@ -8484,7 +8572,7 @@
         <p:spPr>
           <a:xfrm>
             <a:off x="1399592" y="1950098"/>
-            <a:ext cx="8444205" cy="584775"/>
+            <a:ext cx="8444205" cy="646331"/>
           </a:xfrm>
           <a:prstGeom prst="rect">
             <a:avLst/>
@@ -8502,8 +8590,7 @@
               <a:buChar char="•"/>
             </a:pPr>
             <a:r>
-              <a:rPr lang="en-US" sz="1600" dirty="0">
-                <a:latin typeface="Arial" panose="020B0604020202020204" pitchFamily="34" charset="0"/>
+              <a:rPr lang="en-US" dirty="0">
                 <a:cs typeface="Arial" panose="020B0604020202020204" pitchFamily="34" charset="0"/>
               </a:rPr>
               <a:t>Crime went down across the board, for population or age and percent change in crime. There does not appear to be a correlation.</a:t>
@@ -8524,7 +8611,7 @@
 </p:sld>
 </file>
 
-<file path=ppt/slides/slide9.xml><?xml version="1.0" encoding="utf-8"?>
+<file path=ppt/slides/slide11.xml><?xml version="1.0" encoding="utf-8"?>
 <p:sld xmlns:a="http://schemas.openxmlformats.org/drawingml/2006/main" xmlns:r="http://schemas.openxmlformats.org/officeDocument/2006/relationships" xmlns:p="http://schemas.openxmlformats.org/presentationml/2006/main">
   <p:cSld>
     <p:spTree>
@@ -8560,24 +8647,24 @@
         <p:spPr>
           <a:xfrm>
             <a:off x="1251678" y="382385"/>
-            <a:ext cx="10178322" cy="1045199"/>
+            <a:ext cx="10178322" cy="1297125"/>
           </a:xfrm>
         </p:spPr>
         <p:txBody>
           <a:bodyPr>
-            <a:normAutofit fontScale="90000"/>
+            <a:noAutofit/>
           </a:bodyPr>
           <a:lstStyle/>
           <a:p>
             <a:pPr algn="ctr"/>
             <a:r>
-              <a:rPr lang="en-US" sz="4000" dirty="0"/>
+              <a:rPr lang="en-US" sz="4600" dirty="0"/>
               <a:t>Is there a correlation between income and amount of crime?!</a:t>
             </a:r>
             <a:br>
-              <a:rPr lang="en-US" dirty="0"/>
+              <a:rPr lang="en-US" sz="4600" dirty="0"/>
             </a:br>
-            <a:endParaRPr lang="en-US" dirty="0"/>
+            <a:endParaRPr lang="en-US" sz="4600" dirty="0"/>
           </a:p>
         </p:txBody>
       </p:sp>
@@ -8598,7 +8685,7 @@
           </p:nvPr>
         </p:nvPicPr>
         <p:blipFill>
-          <a:blip r:embed="rId2"/>
+          <a:blip r:embed="rId3"/>
           <a:stretch>
             <a:fillRect/>
           </a:stretch>
@@ -8628,7 +8715,7 @@
           <p:nvPr/>
         </p:nvPicPr>
         <p:blipFill>
-          <a:blip r:embed="rId3"/>
+          <a:blip r:embed="rId4"/>
           <a:stretch>
             <a:fillRect/>
           </a:stretch>
@@ -8657,8 +8744,8 @@
         </p:nvSpPr>
         <p:spPr>
           <a:xfrm>
-            <a:off x="2211356" y="1767378"/>
-            <a:ext cx="7781730" cy="830997"/>
+            <a:off x="2211356" y="2224578"/>
+            <a:ext cx="7781730" cy="584775"/>
           </a:xfrm>
           <a:prstGeom prst="rect">
             <a:avLst/>
@@ -8677,7 +8764,6 @@
             </a:pPr>
             <a:r>
               <a:rPr lang="en-US" sz="1600" dirty="0">
-                <a:latin typeface="Arial" panose="020B0604020202020204" pitchFamily="34" charset="0"/>
                 <a:cs typeface="Arial" panose="020B0604020202020204" pitchFamily="34" charset="0"/>
               </a:rPr>
               <a:t>There seems to be a base amount of crime across incomes, but, when the crime rates exceed a count of 5,000-6,000, they are overwhelmingly in lower income areas.</a:t>
@@ -8689,6 +8775,1076 @@
     <p:extLst>
       <p:ext uri="{BB962C8B-B14F-4D97-AF65-F5344CB8AC3E}">
         <p14:creationId xmlns:p14="http://schemas.microsoft.com/office/powerpoint/2010/main" val="1699765793"/>
+      </p:ext>
+    </p:extLst>
+  </p:cSld>
+  <p:clrMapOvr>
+    <a:masterClrMapping/>
+  </p:clrMapOvr>
+</p:sld>
+</file>
+
+<file path=ppt/slides/slide12.xml><?xml version="1.0" encoding="utf-8"?>
+<p:sld xmlns:a="http://schemas.openxmlformats.org/drawingml/2006/main" xmlns:r="http://schemas.openxmlformats.org/officeDocument/2006/relationships" xmlns:p="http://schemas.openxmlformats.org/presentationml/2006/main">
+  <p:cSld>
+    <p:spTree>
+      <p:nvGrpSpPr>
+        <p:cNvPr id="1" name=""/>
+        <p:cNvGrpSpPr/>
+        <p:nvPr/>
+      </p:nvGrpSpPr>
+      <p:grpSpPr>
+        <a:xfrm>
+          <a:off x="0" y="0"/>
+          <a:ext cx="0" cy="0"/>
+          <a:chOff x="0" y="0"/>
+          <a:chExt cx="0" cy="0"/>
+        </a:xfrm>
+      </p:grpSpPr>
+      <p:sp>
+        <p:nvSpPr>
+          <p:cNvPr id="2" name="Title 1">
+            <a:extLst>
+              <a:ext uri="{FF2B5EF4-FFF2-40B4-BE49-F238E27FC236}">
+                <a16:creationId xmlns:a16="http://schemas.microsoft.com/office/drawing/2014/main" id="{9203078C-7E32-B241-8FF1-8013DBA677E4}"/>
+              </a:ext>
+            </a:extLst>
+          </p:cNvPr>
+          <p:cNvSpPr>
+            <a:spLocks noGrp="1"/>
+          </p:cNvSpPr>
+          <p:nvPr>
+            <p:ph type="title"/>
+          </p:nvPr>
+        </p:nvSpPr>
+        <p:spPr/>
+        <p:txBody>
+          <a:bodyPr/>
+          <a:lstStyle/>
+          <a:p>
+            <a:r>
+              <a:rPr lang="en-US" dirty="0"/>
+              <a:t>Conclusions!</a:t>
+            </a:r>
+          </a:p>
+        </p:txBody>
+      </p:sp>
+      <p:sp>
+        <p:nvSpPr>
+          <p:cNvPr id="3" name="Content Placeholder 2">
+            <a:extLst>
+              <a:ext uri="{FF2B5EF4-FFF2-40B4-BE49-F238E27FC236}">
+                <a16:creationId xmlns:a16="http://schemas.microsoft.com/office/drawing/2014/main" id="{26CD1200-0551-8D4B-B6E2-1F353CAC3130}"/>
+              </a:ext>
+            </a:extLst>
+          </p:cNvPr>
+          <p:cNvSpPr>
+            <a:spLocks noGrp="1"/>
+          </p:cNvSpPr>
+          <p:nvPr>
+            <p:ph idx="1"/>
+          </p:nvPr>
+        </p:nvSpPr>
+        <p:spPr/>
+        <p:txBody>
+          <a:bodyPr>
+            <a:normAutofit/>
+          </a:bodyPr>
+          <a:lstStyle/>
+          <a:p>
+            <a:endParaRPr lang="en-US" dirty="0"/>
+          </a:p>
+          <a:p>
+            <a:r>
+              <a:rPr lang="en-US" dirty="0"/>
+              <a:t>For the vast majority of Austin zip codes, the income has increased from 2011-2016.</a:t>
+            </a:r>
+          </a:p>
+          <a:p>
+            <a:r>
+              <a:rPr lang="en-US" dirty="0"/>
+              <a:t>For the majority of the zip codes in all of Austin, crime rates decreased from 2011-2016.</a:t>
+            </a:r>
+          </a:p>
+          <a:p>
+            <a:r>
+              <a:rPr lang="en-US" dirty="0"/>
+              <a:t>There is no significant correlation between the age/population and income.</a:t>
+            </a:r>
+          </a:p>
+          <a:p>
+            <a:r>
+              <a:rPr lang="en-US" dirty="0"/>
+              <a:t>Neither age nor population have a significant effect on crime.</a:t>
+            </a:r>
+          </a:p>
+          <a:p>
+            <a:r>
+              <a:rPr lang="en-US" dirty="0"/>
+              <a:t>There is a certain degree of correlation between income and crime.</a:t>
+            </a:r>
+          </a:p>
+          <a:p>
+            <a:pPr marL="0" indent="0">
+              <a:buNone/>
+            </a:pPr>
+            <a:endParaRPr lang="en-US" dirty="0"/>
+          </a:p>
+          <a:p>
+            <a:endParaRPr lang="en-US" dirty="0"/>
+          </a:p>
+          <a:p>
+            <a:endParaRPr lang="en-US" dirty="0"/>
+          </a:p>
+        </p:txBody>
+      </p:sp>
+    </p:spTree>
+    <p:extLst>
+      <p:ext uri="{BB962C8B-B14F-4D97-AF65-F5344CB8AC3E}">
+        <p14:creationId xmlns:p14="http://schemas.microsoft.com/office/powerpoint/2010/main" val="2984794533"/>
+      </p:ext>
+    </p:extLst>
+  </p:cSld>
+  <p:clrMapOvr>
+    <a:masterClrMapping/>
+  </p:clrMapOvr>
+</p:sld>
+</file>
+
+<file path=ppt/slides/slide13.xml><?xml version="1.0" encoding="utf-8"?>
+<p:sld xmlns:a="http://schemas.openxmlformats.org/drawingml/2006/main" xmlns:r="http://schemas.openxmlformats.org/officeDocument/2006/relationships" xmlns:p="http://schemas.openxmlformats.org/presentationml/2006/main">
+  <p:cSld>
+    <p:spTree>
+      <p:nvGrpSpPr>
+        <p:cNvPr id="1" name=""/>
+        <p:cNvGrpSpPr/>
+        <p:nvPr/>
+      </p:nvGrpSpPr>
+      <p:grpSpPr>
+        <a:xfrm>
+          <a:off x="0" y="0"/>
+          <a:ext cx="0" cy="0"/>
+          <a:chOff x="0" y="0"/>
+          <a:chExt cx="0" cy="0"/>
+        </a:xfrm>
+      </p:grpSpPr>
+      <p:sp>
+        <p:nvSpPr>
+          <p:cNvPr id="2" name="Title 1">
+            <a:extLst>
+              <a:ext uri="{FF2B5EF4-FFF2-40B4-BE49-F238E27FC236}">
+                <a16:creationId xmlns:a16="http://schemas.microsoft.com/office/drawing/2014/main" id="{0611811B-05E1-4479-B7C4-D5DFEAB92479}"/>
+              </a:ext>
+            </a:extLst>
+          </p:cNvPr>
+          <p:cNvSpPr>
+            <a:spLocks noGrp="1"/>
+          </p:cNvSpPr>
+          <p:nvPr>
+            <p:ph type="title"/>
+          </p:nvPr>
+        </p:nvSpPr>
+        <p:spPr/>
+        <p:txBody>
+          <a:bodyPr/>
+          <a:lstStyle/>
+          <a:p>
+            <a:r>
+              <a:rPr lang="en-US" dirty="0"/>
+              <a:t>Limitations</a:t>
+            </a:r>
+          </a:p>
+        </p:txBody>
+      </p:sp>
+      <p:sp>
+        <p:nvSpPr>
+          <p:cNvPr id="3" name="Content Placeholder 2">
+            <a:extLst>
+              <a:ext uri="{FF2B5EF4-FFF2-40B4-BE49-F238E27FC236}">
+                <a16:creationId xmlns:a16="http://schemas.microsoft.com/office/drawing/2014/main" id="{4320516C-E4D7-4330-97ED-5F1525C6BCFF}"/>
+              </a:ext>
+            </a:extLst>
+          </p:cNvPr>
+          <p:cNvSpPr>
+            <a:spLocks noGrp="1"/>
+          </p:cNvSpPr>
+          <p:nvPr>
+            <p:ph idx="1"/>
+          </p:nvPr>
+        </p:nvSpPr>
+        <p:spPr/>
+        <p:txBody>
+          <a:bodyPr/>
+          <a:lstStyle/>
+          <a:p>
+            <a:r>
+              <a:rPr lang="en-US" dirty="0"/>
+              <a:t>For future research, deeper investigation can be taken to research different types of crime in zip codes.</a:t>
+            </a:r>
+          </a:p>
+          <a:p>
+            <a:r>
+              <a:rPr lang="en-US" dirty="0"/>
+              <a:t>We may have received different results if we had a larger time frame to pull from.</a:t>
+            </a:r>
+          </a:p>
+          <a:p>
+            <a:endParaRPr lang="en-US" dirty="0"/>
+          </a:p>
+        </p:txBody>
+      </p:sp>
+    </p:spTree>
+    <p:extLst>
+      <p:ext uri="{BB962C8B-B14F-4D97-AF65-F5344CB8AC3E}">
+        <p14:creationId xmlns:p14="http://schemas.microsoft.com/office/powerpoint/2010/main" val="1430291491"/>
+      </p:ext>
+    </p:extLst>
+  </p:cSld>
+  <p:clrMapOvr>
+    <a:masterClrMapping/>
+  </p:clrMapOvr>
+</p:sld>
+</file>
+
+<file path=ppt/slides/slide2.xml><?xml version="1.0" encoding="utf-8"?>
+<p:sld xmlns:a="http://schemas.openxmlformats.org/drawingml/2006/main" xmlns:r="http://schemas.openxmlformats.org/officeDocument/2006/relationships" xmlns:p="http://schemas.openxmlformats.org/presentationml/2006/main">
+  <p:cSld>
+    <p:spTree>
+      <p:nvGrpSpPr>
+        <p:cNvPr id="1" name=""/>
+        <p:cNvGrpSpPr/>
+        <p:nvPr/>
+      </p:nvGrpSpPr>
+      <p:grpSpPr>
+        <a:xfrm>
+          <a:off x="0" y="0"/>
+          <a:ext cx="0" cy="0"/>
+          <a:chOff x="0" y="0"/>
+          <a:chExt cx="0" cy="0"/>
+        </a:xfrm>
+      </p:grpSpPr>
+      <p:sp>
+        <p:nvSpPr>
+          <p:cNvPr id="2" name="Title 1">
+            <a:extLst>
+              <a:ext uri="{FF2B5EF4-FFF2-40B4-BE49-F238E27FC236}">
+                <a16:creationId xmlns:a16="http://schemas.microsoft.com/office/drawing/2014/main" id="{5A4DD4EF-46CD-994B-8774-80473662CE3C}"/>
+              </a:ext>
+            </a:extLst>
+          </p:cNvPr>
+          <p:cNvSpPr>
+            <a:spLocks noGrp="1"/>
+          </p:cNvSpPr>
+          <p:nvPr>
+            <p:ph type="title"/>
+          </p:nvPr>
+        </p:nvSpPr>
+        <p:spPr/>
+        <p:txBody>
+          <a:bodyPr/>
+          <a:lstStyle/>
+          <a:p>
+            <a:r>
+              <a:rPr lang="en-US" dirty="0"/>
+              <a:t>Hypothesis!</a:t>
+            </a:r>
+          </a:p>
+        </p:txBody>
+      </p:sp>
+      <p:sp>
+        <p:nvSpPr>
+          <p:cNvPr id="3" name="Content Placeholder 2">
+            <a:extLst>
+              <a:ext uri="{FF2B5EF4-FFF2-40B4-BE49-F238E27FC236}">
+                <a16:creationId xmlns:a16="http://schemas.microsoft.com/office/drawing/2014/main" id="{3B4A7A52-F999-3244-B520-D0018DE1306A}"/>
+              </a:ext>
+            </a:extLst>
+          </p:cNvPr>
+          <p:cNvSpPr>
+            <a:spLocks noGrp="1"/>
+          </p:cNvSpPr>
+          <p:nvPr>
+            <p:ph idx="1"/>
+          </p:nvPr>
+        </p:nvSpPr>
+        <p:spPr/>
+        <p:txBody>
+          <a:bodyPr>
+            <a:normAutofit/>
+          </a:bodyPr>
+          <a:lstStyle/>
+          <a:p>
+            <a:pPr marL="0" indent="0" algn="ctr">
+              <a:buNone/>
+            </a:pPr>
+            <a:r>
+              <a:rPr lang="en-US" sz="4400" dirty="0"/>
+              <a:t>There is an inverse relationship between income and crime in the city of Austin, Texas (lower income, higher crime &amp; vice versa).</a:t>
+            </a:r>
+          </a:p>
+          <a:p>
+            <a:pPr marL="0" indent="0" algn="ctr">
+              <a:buNone/>
+            </a:pPr>
+            <a:endParaRPr lang="en-US" sz="4400" dirty="0"/>
+          </a:p>
+        </p:txBody>
+      </p:sp>
+    </p:spTree>
+    <p:extLst>
+      <p:ext uri="{BB962C8B-B14F-4D97-AF65-F5344CB8AC3E}">
+        <p14:creationId xmlns:p14="http://schemas.microsoft.com/office/powerpoint/2010/main" val="3554115508"/>
+      </p:ext>
+    </p:extLst>
+  </p:cSld>
+  <p:clrMapOvr>
+    <a:masterClrMapping/>
+  </p:clrMapOvr>
+</p:sld>
+</file>
+
+<file path=ppt/slides/slide3.xml><?xml version="1.0" encoding="utf-8"?>
+<p:sld xmlns:a="http://schemas.openxmlformats.org/drawingml/2006/main" xmlns:r="http://schemas.openxmlformats.org/officeDocument/2006/relationships" xmlns:p="http://schemas.openxmlformats.org/presentationml/2006/main">
+  <p:cSld>
+    <p:spTree>
+      <p:nvGrpSpPr>
+        <p:cNvPr id="1" name=""/>
+        <p:cNvGrpSpPr/>
+        <p:nvPr/>
+      </p:nvGrpSpPr>
+      <p:grpSpPr>
+        <a:xfrm>
+          <a:off x="0" y="0"/>
+          <a:ext cx="0" cy="0"/>
+          <a:chOff x="0" y="0"/>
+          <a:chExt cx="0" cy="0"/>
+        </a:xfrm>
+      </p:grpSpPr>
+      <p:sp>
+        <p:nvSpPr>
+          <p:cNvPr id="2" name="Title 1">
+            <a:extLst>
+              <a:ext uri="{FF2B5EF4-FFF2-40B4-BE49-F238E27FC236}">
+                <a16:creationId xmlns:a16="http://schemas.microsoft.com/office/drawing/2014/main" id="{2413C71B-0B1F-704F-A683-0559479B9E5A}"/>
+              </a:ext>
+            </a:extLst>
+          </p:cNvPr>
+          <p:cNvSpPr>
+            <a:spLocks noGrp="1"/>
+          </p:cNvSpPr>
+          <p:nvPr>
+            <p:ph type="title"/>
+          </p:nvPr>
+        </p:nvSpPr>
+        <p:spPr/>
+        <p:txBody>
+          <a:bodyPr/>
+          <a:lstStyle/>
+          <a:p>
+            <a:r>
+              <a:rPr lang="en-US" dirty="0"/>
+              <a:t>Data Sources, Exploration and Analysis!</a:t>
+            </a:r>
+          </a:p>
+        </p:txBody>
+      </p:sp>
+      <p:sp>
+        <p:nvSpPr>
+          <p:cNvPr id="3" name="Content Placeholder 2">
+            <a:extLst>
+              <a:ext uri="{FF2B5EF4-FFF2-40B4-BE49-F238E27FC236}">
+                <a16:creationId xmlns:a16="http://schemas.microsoft.com/office/drawing/2014/main" id="{70DFB3EE-89A3-454D-857A-FA85A252BEB0}"/>
+              </a:ext>
+            </a:extLst>
+          </p:cNvPr>
+          <p:cNvSpPr>
+            <a:spLocks noGrp="1"/>
+          </p:cNvSpPr>
+          <p:nvPr>
+            <p:ph idx="1"/>
+          </p:nvPr>
+        </p:nvSpPr>
+        <p:spPr/>
+        <p:txBody>
+          <a:bodyPr>
+            <a:normAutofit fontScale="92500"/>
+          </a:bodyPr>
+          <a:lstStyle/>
+          <a:p>
+            <a:r>
+              <a:rPr lang="en-US" sz="3600" dirty="0"/>
+              <a:t>For crime data,  Austintexas.gov (https://data.austintexas.gov/resource/mfej-x5pm.json) </a:t>
+            </a:r>
+          </a:p>
+          <a:p>
+            <a:r>
+              <a:rPr lang="en-US" sz="3600" dirty="0"/>
+              <a:t>For income data, Census (Census API)</a:t>
+            </a:r>
+          </a:p>
+          <a:p>
+            <a:pPr marL="0" indent="0">
+              <a:buNone/>
+            </a:pPr>
+            <a:endParaRPr lang="en-US" sz="3600" dirty="0"/>
+          </a:p>
+          <a:p>
+            <a:pPr marL="0" indent="0">
+              <a:buNone/>
+            </a:pPr>
+            <a:r>
+              <a:rPr lang="en-US" dirty="0"/>
+              <a:t>*We used 2011 &amp; 2016 because they were the widest range for income data available on the census API.</a:t>
+            </a:r>
+          </a:p>
+        </p:txBody>
+      </p:sp>
+    </p:spTree>
+    <p:extLst>
+      <p:ext uri="{BB962C8B-B14F-4D97-AF65-F5344CB8AC3E}">
+        <p14:creationId xmlns:p14="http://schemas.microsoft.com/office/powerpoint/2010/main" val="4182056592"/>
+      </p:ext>
+    </p:extLst>
+  </p:cSld>
+  <p:clrMapOvr>
+    <a:masterClrMapping/>
+  </p:clrMapOvr>
+</p:sld>
+</file>
+
+<file path=ppt/slides/slide4.xml><?xml version="1.0" encoding="utf-8"?>
+<p:sld xmlns:a="http://schemas.openxmlformats.org/drawingml/2006/main" xmlns:r="http://schemas.openxmlformats.org/officeDocument/2006/relationships" xmlns:p="http://schemas.openxmlformats.org/presentationml/2006/main">
+  <p:cSld>
+    <p:spTree>
+      <p:nvGrpSpPr>
+        <p:cNvPr id="1" name=""/>
+        <p:cNvGrpSpPr/>
+        <p:nvPr/>
+      </p:nvGrpSpPr>
+      <p:grpSpPr>
+        <a:xfrm>
+          <a:off x="0" y="0"/>
+          <a:ext cx="0" cy="0"/>
+          <a:chOff x="0" y="0"/>
+          <a:chExt cx="0" cy="0"/>
+        </a:xfrm>
+      </p:grpSpPr>
+      <p:sp>
+        <p:nvSpPr>
+          <p:cNvPr id="2" name="Title 1">
+            <a:extLst>
+              <a:ext uri="{FF2B5EF4-FFF2-40B4-BE49-F238E27FC236}">
+                <a16:creationId xmlns:a16="http://schemas.microsoft.com/office/drawing/2014/main" id="{C7C89ED9-2D51-4241-B67D-A43C0157F41F}"/>
+              </a:ext>
+            </a:extLst>
+          </p:cNvPr>
+          <p:cNvSpPr>
+            <a:spLocks noGrp="1"/>
+          </p:cNvSpPr>
+          <p:nvPr>
+            <p:ph type="title"/>
+          </p:nvPr>
+        </p:nvSpPr>
+        <p:spPr/>
+        <p:txBody>
+          <a:bodyPr/>
+          <a:lstStyle/>
+          <a:p>
+            <a:pPr algn="ctr"/>
+            <a:r>
+              <a:rPr lang="en-US" dirty="0"/>
+              <a:t>Data exploration and clean up process!</a:t>
+            </a:r>
+          </a:p>
+        </p:txBody>
+      </p:sp>
+      <p:sp>
+        <p:nvSpPr>
+          <p:cNvPr id="3" name="Content Placeholder 2">
+            <a:extLst>
+              <a:ext uri="{FF2B5EF4-FFF2-40B4-BE49-F238E27FC236}">
+                <a16:creationId xmlns:a16="http://schemas.microsoft.com/office/drawing/2014/main" id="{BD89A1EB-CA74-41AE-B09D-625F8430DD05}"/>
+              </a:ext>
+            </a:extLst>
+          </p:cNvPr>
+          <p:cNvSpPr>
+            <a:spLocks noGrp="1"/>
+          </p:cNvSpPr>
+          <p:nvPr>
+            <p:ph idx="1"/>
+          </p:nvPr>
+        </p:nvSpPr>
+        <p:spPr/>
+        <p:txBody>
+          <a:bodyPr>
+            <a:normAutofit fontScale="92500"/>
+          </a:bodyPr>
+          <a:lstStyle/>
+          <a:p>
+            <a:r>
+              <a:rPr lang="en-US" dirty="0"/>
+              <a:t>For census data, we used an API key to pull 2011 &amp; 2016 data by zip code.</a:t>
+            </a:r>
+          </a:p>
+          <a:p>
+            <a:r>
+              <a:rPr lang="en-US" dirty="0"/>
+              <a:t>For crime data, we filtered the CSV files to gather data for crimes that occurred in 2011 &amp; 2016.</a:t>
+            </a:r>
+          </a:p>
+          <a:p>
+            <a:r>
+              <a:rPr lang="en-US" dirty="0"/>
+              <a:t>Since the census data contained all U.S. zip codes, we pulled the Austin zip codes from the crime data. </a:t>
+            </a:r>
+          </a:p>
+          <a:p>
+            <a:r>
+              <a:rPr lang="en-US" dirty="0"/>
+              <a:t>Then we used a for-loop to pull income data for Austin zip codes.</a:t>
+            </a:r>
+          </a:p>
+          <a:p>
+            <a:r>
+              <a:rPr lang="en-US" dirty="0"/>
+              <a:t>Merged the years (2011 and 2016) into the same data frame.</a:t>
+            </a:r>
+          </a:p>
+          <a:p>
+            <a:r>
+              <a:rPr lang="en-US" dirty="0"/>
+              <a:t>For crime, we also counted the crimes per zip codes.</a:t>
+            </a:r>
+          </a:p>
+          <a:p>
+            <a:r>
+              <a:rPr lang="en-US" dirty="0"/>
+              <a:t>Once we cleaned the data for crime and income in 2011 &amp; 2016, we combined all of the information into one data frame.</a:t>
+            </a:r>
+          </a:p>
+        </p:txBody>
+      </p:sp>
+    </p:spTree>
+    <p:extLst>
+      <p:ext uri="{BB962C8B-B14F-4D97-AF65-F5344CB8AC3E}">
+        <p14:creationId xmlns:p14="http://schemas.microsoft.com/office/powerpoint/2010/main" val="3690054305"/>
+      </p:ext>
+    </p:extLst>
+  </p:cSld>
+  <p:clrMapOvr>
+    <a:masterClrMapping/>
+  </p:clrMapOvr>
+</p:sld>
+</file>
+
+<file path=ppt/slides/slide5.xml><?xml version="1.0" encoding="utf-8"?>
+<p:sld xmlns:a="http://schemas.openxmlformats.org/drawingml/2006/main" xmlns:r="http://schemas.openxmlformats.org/officeDocument/2006/relationships" xmlns:p="http://schemas.openxmlformats.org/presentationml/2006/main">
+  <p:cSld>
+    <p:spTree>
+      <p:nvGrpSpPr>
+        <p:cNvPr id="1" name=""/>
+        <p:cNvGrpSpPr/>
+        <p:nvPr/>
+      </p:nvGrpSpPr>
+      <p:grpSpPr>
+        <a:xfrm>
+          <a:off x="0" y="0"/>
+          <a:ext cx="0" cy="0"/>
+          <a:chOff x="0" y="0"/>
+          <a:chExt cx="0" cy="0"/>
+        </a:xfrm>
+      </p:grpSpPr>
+      <p:sp>
+        <p:nvSpPr>
+          <p:cNvPr id="2" name="Title 1">
+            <a:extLst>
+              <a:ext uri="{FF2B5EF4-FFF2-40B4-BE49-F238E27FC236}">
+                <a16:creationId xmlns:a16="http://schemas.microsoft.com/office/drawing/2014/main" id="{688CD32E-22DF-47FA-A779-FA4354E13180}"/>
+              </a:ext>
+            </a:extLst>
+          </p:cNvPr>
+          <p:cNvSpPr>
+            <a:spLocks noGrp="1"/>
+          </p:cNvSpPr>
+          <p:nvPr>
+            <p:ph type="title"/>
+          </p:nvPr>
+        </p:nvSpPr>
+        <p:spPr/>
+        <p:txBody>
+          <a:bodyPr>
+            <a:normAutofit fontScale="90000"/>
+          </a:bodyPr>
+          <a:lstStyle/>
+          <a:p>
+            <a:r>
+              <a:rPr lang="en-US" sz="4400" dirty="0"/>
+              <a:t>How have crime rates changed by zip code from 2011 to 2016?! All of Austin</a:t>
+            </a:r>
+            <a:r>
+              <a:rPr lang="en-US" dirty="0"/>
+              <a:t>?!</a:t>
+            </a:r>
+            <a:br>
+              <a:rPr lang="en-US" dirty="0"/>
+            </a:br>
+            <a:endParaRPr lang="en-US" dirty="0"/>
+          </a:p>
+        </p:txBody>
+      </p:sp>
+      <p:pic>
+        <p:nvPicPr>
+          <p:cNvPr id="5" name="Content Placeholder 4">
+            <a:extLst>
+              <a:ext uri="{FF2B5EF4-FFF2-40B4-BE49-F238E27FC236}">
+                <a16:creationId xmlns:a16="http://schemas.microsoft.com/office/drawing/2014/main" id="{3335538B-FB8E-4D1F-A3D6-1BD3AAE96545}"/>
+              </a:ext>
+            </a:extLst>
+          </p:cNvPr>
+          <p:cNvPicPr>
+            <a:picLocks noGrp="1" noChangeAspect="1"/>
+          </p:cNvPicPr>
+          <p:nvPr>
+            <p:ph idx="1"/>
+          </p:nvPr>
+        </p:nvPicPr>
+        <p:blipFill>
+          <a:blip r:embed="rId3"/>
+          <a:stretch>
+            <a:fillRect/>
+          </a:stretch>
+        </p:blipFill>
+        <p:spPr>
+          <a:xfrm>
+            <a:off x="1026249" y="1604864"/>
+            <a:ext cx="10114501" cy="5253135"/>
+          </a:xfrm>
+          <a:prstGeom prst="rect">
+            <a:avLst/>
+          </a:prstGeom>
+        </p:spPr>
+      </p:pic>
+    </p:spTree>
+    <p:extLst>
+      <p:ext uri="{BB962C8B-B14F-4D97-AF65-F5344CB8AC3E}">
+        <p14:creationId xmlns:p14="http://schemas.microsoft.com/office/powerpoint/2010/main" val="2190197732"/>
+      </p:ext>
+    </p:extLst>
+  </p:cSld>
+  <p:clrMapOvr>
+    <a:masterClrMapping/>
+  </p:clrMapOvr>
+</p:sld>
+</file>
+
+<file path=ppt/slides/slide6.xml><?xml version="1.0" encoding="utf-8"?>
+<p:sld xmlns:a="http://schemas.openxmlformats.org/drawingml/2006/main" xmlns:r="http://schemas.openxmlformats.org/officeDocument/2006/relationships" xmlns:p="http://schemas.openxmlformats.org/presentationml/2006/main">
+  <p:cSld>
+    <p:spTree>
+      <p:nvGrpSpPr>
+        <p:cNvPr id="1" name=""/>
+        <p:cNvGrpSpPr/>
+        <p:nvPr/>
+      </p:nvGrpSpPr>
+      <p:grpSpPr>
+        <a:xfrm>
+          <a:off x="0" y="0"/>
+          <a:ext cx="0" cy="0"/>
+          <a:chOff x="0" y="0"/>
+          <a:chExt cx="0" cy="0"/>
+        </a:xfrm>
+      </p:grpSpPr>
+      <p:pic>
+        <p:nvPicPr>
+          <p:cNvPr id="2" name="Picture 1">
+            <a:extLst>
+              <a:ext uri="{FF2B5EF4-FFF2-40B4-BE49-F238E27FC236}">
+                <a16:creationId xmlns:a16="http://schemas.microsoft.com/office/drawing/2014/main" id="{D776841E-BCE4-41DD-8E39-2768896CF9C8}"/>
+              </a:ext>
+            </a:extLst>
+          </p:cNvPr>
+          <p:cNvPicPr>
+            <a:picLocks noChangeAspect="1"/>
+          </p:cNvPicPr>
+          <p:nvPr/>
+        </p:nvPicPr>
+        <p:blipFill>
+          <a:blip r:embed="rId3"/>
+          <a:stretch>
+            <a:fillRect/>
+          </a:stretch>
+        </p:blipFill>
+        <p:spPr>
+          <a:xfrm>
+            <a:off x="998377" y="0"/>
+            <a:ext cx="10450284" cy="6858000"/>
+          </a:xfrm>
+          <a:prstGeom prst="rect">
+            <a:avLst/>
+          </a:prstGeom>
+        </p:spPr>
+      </p:pic>
+    </p:spTree>
+    <p:extLst>
+      <p:ext uri="{BB962C8B-B14F-4D97-AF65-F5344CB8AC3E}">
+        <p14:creationId xmlns:p14="http://schemas.microsoft.com/office/powerpoint/2010/main" val="3277399497"/>
+      </p:ext>
+    </p:extLst>
+  </p:cSld>
+  <p:clrMapOvr>
+    <a:masterClrMapping/>
+  </p:clrMapOvr>
+</p:sld>
+</file>
+
+<file path=ppt/slides/slide7.xml><?xml version="1.0" encoding="utf-8"?>
+<p:sld xmlns:a="http://schemas.openxmlformats.org/drawingml/2006/main" xmlns:r="http://schemas.openxmlformats.org/officeDocument/2006/relationships" xmlns:p="http://schemas.openxmlformats.org/presentationml/2006/main">
+  <p:cSld>
+    <p:spTree>
+      <p:nvGrpSpPr>
+        <p:cNvPr id="1" name=""/>
+        <p:cNvGrpSpPr/>
+        <p:nvPr/>
+      </p:nvGrpSpPr>
+      <p:grpSpPr>
+        <a:xfrm>
+          <a:off x="0" y="0"/>
+          <a:ext cx="0" cy="0"/>
+          <a:chOff x="0" y="0"/>
+          <a:chExt cx="0" cy="0"/>
+        </a:xfrm>
+      </p:grpSpPr>
+      <p:sp>
+        <p:nvSpPr>
+          <p:cNvPr id="2" name="Title 1">
+            <a:extLst>
+              <a:ext uri="{FF2B5EF4-FFF2-40B4-BE49-F238E27FC236}">
+                <a16:creationId xmlns:a16="http://schemas.microsoft.com/office/drawing/2014/main" id="{65B0CD2F-98AF-4FBB-8386-62B2669CABFA}"/>
+              </a:ext>
+            </a:extLst>
+          </p:cNvPr>
+          <p:cNvSpPr>
+            <a:spLocks noGrp="1"/>
+          </p:cNvSpPr>
+          <p:nvPr>
+            <p:ph type="title"/>
+          </p:nvPr>
+        </p:nvSpPr>
+        <p:spPr/>
+        <p:txBody>
+          <a:bodyPr>
+            <a:normAutofit fontScale="90000"/>
+          </a:bodyPr>
+          <a:lstStyle/>
+          <a:p>
+            <a:r>
+              <a:rPr lang="en-US" sz="4400" dirty="0"/>
+              <a:t>How have incomes changed by zip code from 2011 to 2016 (5 year look)?!</a:t>
+            </a:r>
+            <a:br>
+              <a:rPr lang="en-US" dirty="0"/>
+            </a:br>
+            <a:endParaRPr lang="en-US" dirty="0"/>
+          </a:p>
+        </p:txBody>
+      </p:sp>
+      <p:pic>
+        <p:nvPicPr>
+          <p:cNvPr id="5" name="Content Placeholder 4">
+            <a:extLst>
+              <a:ext uri="{FF2B5EF4-FFF2-40B4-BE49-F238E27FC236}">
+                <a16:creationId xmlns:a16="http://schemas.microsoft.com/office/drawing/2014/main" id="{153716DB-A469-4196-A8BB-889A1767C3BC}"/>
+              </a:ext>
+            </a:extLst>
+          </p:cNvPr>
+          <p:cNvPicPr>
+            <a:picLocks noGrp="1" noChangeAspect="1"/>
+          </p:cNvPicPr>
+          <p:nvPr>
+            <p:ph idx="1"/>
+          </p:nvPr>
+        </p:nvPicPr>
+        <p:blipFill>
+          <a:blip r:embed="rId3"/>
+          <a:stretch>
+            <a:fillRect/>
+          </a:stretch>
+        </p:blipFill>
+        <p:spPr>
+          <a:xfrm>
+            <a:off x="1045029" y="1464960"/>
+            <a:ext cx="10300995" cy="5281073"/>
+          </a:xfrm>
+          <a:prstGeom prst="rect">
+            <a:avLst/>
+          </a:prstGeom>
+        </p:spPr>
+      </p:pic>
+    </p:spTree>
+    <p:extLst>
+      <p:ext uri="{BB962C8B-B14F-4D97-AF65-F5344CB8AC3E}">
+        <p14:creationId xmlns:p14="http://schemas.microsoft.com/office/powerpoint/2010/main" val="2685615373"/>
+      </p:ext>
+    </p:extLst>
+  </p:cSld>
+  <p:clrMapOvr>
+    <a:masterClrMapping/>
+  </p:clrMapOvr>
+</p:sld>
+</file>
+
+<file path=ppt/slides/slide8.xml><?xml version="1.0" encoding="utf-8"?>
+<p:sld xmlns:a="http://schemas.openxmlformats.org/drawingml/2006/main" xmlns:r="http://schemas.openxmlformats.org/officeDocument/2006/relationships" xmlns:p="http://schemas.openxmlformats.org/presentationml/2006/main">
+  <p:cSld>
+    <p:spTree>
+      <p:nvGrpSpPr>
+        <p:cNvPr id="1" name=""/>
+        <p:cNvGrpSpPr/>
+        <p:nvPr/>
+      </p:nvGrpSpPr>
+      <p:grpSpPr>
+        <a:xfrm>
+          <a:off x="0" y="0"/>
+          <a:ext cx="0" cy="0"/>
+          <a:chOff x="0" y="0"/>
+          <a:chExt cx="0" cy="0"/>
+        </a:xfrm>
+      </p:grpSpPr>
+      <p:pic>
+        <p:nvPicPr>
+          <p:cNvPr id="2" name="Picture 1">
+            <a:extLst>
+              <a:ext uri="{FF2B5EF4-FFF2-40B4-BE49-F238E27FC236}">
+                <a16:creationId xmlns:a16="http://schemas.microsoft.com/office/drawing/2014/main" id="{F5BB1954-C7C1-4A32-BC1E-9E0E5C9C5399}"/>
+              </a:ext>
+            </a:extLst>
+          </p:cNvPr>
+          <p:cNvPicPr>
+            <a:picLocks noChangeAspect="1"/>
+          </p:cNvPicPr>
+          <p:nvPr/>
+        </p:nvPicPr>
+        <p:blipFill>
+          <a:blip r:embed="rId3"/>
+          <a:stretch>
+            <a:fillRect/>
+          </a:stretch>
+        </p:blipFill>
+        <p:spPr>
+          <a:xfrm>
+            <a:off x="1390261" y="0"/>
+            <a:ext cx="9965093" cy="6858000"/>
+          </a:xfrm>
+          <a:prstGeom prst="rect">
+            <a:avLst/>
+          </a:prstGeom>
+        </p:spPr>
+      </p:pic>
+    </p:spTree>
+    <p:extLst>
+      <p:ext uri="{BB962C8B-B14F-4D97-AF65-F5344CB8AC3E}">
+        <p14:creationId xmlns:p14="http://schemas.microsoft.com/office/powerpoint/2010/main" val="2432237102"/>
+      </p:ext>
+    </p:extLst>
+  </p:cSld>
+  <p:clrMapOvr>
+    <a:masterClrMapping/>
+  </p:clrMapOvr>
+</p:sld>
+</file>
+
+<file path=ppt/slides/slide9.xml><?xml version="1.0" encoding="utf-8"?>
+<p:sld xmlns:a="http://schemas.openxmlformats.org/drawingml/2006/main" xmlns:r="http://schemas.openxmlformats.org/officeDocument/2006/relationships" xmlns:p="http://schemas.openxmlformats.org/presentationml/2006/main">
+  <p:cSld>
+    <p:spTree>
+      <p:nvGrpSpPr>
+        <p:cNvPr id="1" name=""/>
+        <p:cNvGrpSpPr/>
+        <p:nvPr/>
+      </p:nvGrpSpPr>
+      <p:grpSpPr>
+        <a:xfrm>
+          <a:off x="0" y="0"/>
+          <a:ext cx="0" cy="0"/>
+          <a:chOff x="0" y="0"/>
+          <a:chExt cx="0" cy="0"/>
+        </a:xfrm>
+      </p:grpSpPr>
+      <p:sp>
+        <p:nvSpPr>
+          <p:cNvPr id="2" name="Title 1">
+            <a:extLst>
+              <a:ext uri="{FF2B5EF4-FFF2-40B4-BE49-F238E27FC236}">
+                <a16:creationId xmlns:a16="http://schemas.microsoft.com/office/drawing/2014/main" id="{DA9B70CF-3314-453D-B2ED-FE8DC41EBD2C}"/>
+              </a:ext>
+            </a:extLst>
+          </p:cNvPr>
+          <p:cNvSpPr>
+            <a:spLocks noGrp="1"/>
+          </p:cNvSpPr>
+          <p:nvPr>
+            <p:ph type="title"/>
+          </p:nvPr>
+        </p:nvSpPr>
+        <p:spPr>
+          <a:xfrm>
+            <a:off x="1222310" y="382384"/>
+            <a:ext cx="10207690" cy="1427755"/>
+          </a:xfrm>
+        </p:spPr>
+        <p:txBody>
+          <a:bodyPr>
+            <a:normAutofit fontScale="90000"/>
+          </a:bodyPr>
+          <a:lstStyle/>
+          <a:p>
+            <a:r>
+              <a:rPr lang="en-US" dirty="0"/>
+              <a:t>Does Age or population have an affect on income?! </a:t>
+            </a:r>
+            <a:br>
+              <a:rPr lang="en-US" dirty="0"/>
+            </a:br>
+            <a:br>
+              <a:rPr lang="en-US" dirty="0"/>
+            </a:br>
+            <a:r>
+              <a:rPr lang="en-US" sz="1200" dirty="0">
+                <a:latin typeface="Arial" panose="020B0604020202020204" pitchFamily="34" charset="0"/>
+                <a:cs typeface="Arial" panose="020B0604020202020204" pitchFamily="34" charset="0"/>
+              </a:rPr>
+              <a:t>.</a:t>
+            </a:r>
+            <a:endParaRPr lang="en-US" dirty="0"/>
+          </a:p>
+        </p:txBody>
+      </p:sp>
+      <p:pic>
+        <p:nvPicPr>
+          <p:cNvPr id="13" name="Content Placeholder 12">
+            <a:extLst>
+              <a:ext uri="{FF2B5EF4-FFF2-40B4-BE49-F238E27FC236}">
+                <a16:creationId xmlns:a16="http://schemas.microsoft.com/office/drawing/2014/main" id="{A1D8D5D6-98AB-4B25-B97A-C73A60053F98}"/>
+              </a:ext>
+            </a:extLst>
+          </p:cNvPr>
+          <p:cNvPicPr>
+            <a:picLocks noGrp="1" noChangeAspect="1"/>
+          </p:cNvPicPr>
+          <p:nvPr>
+            <p:ph idx="1"/>
+          </p:nvPr>
+        </p:nvPicPr>
+        <p:blipFill>
+          <a:blip r:embed="rId3"/>
+          <a:stretch>
+            <a:fillRect/>
+          </a:stretch>
+        </p:blipFill>
+        <p:spPr>
+          <a:xfrm>
+            <a:off x="932067" y="2962048"/>
+            <a:ext cx="5163933" cy="3442622"/>
+          </a:xfrm>
+          <a:prstGeom prst="rect">
+            <a:avLst/>
+          </a:prstGeom>
+        </p:spPr>
+      </p:pic>
+      <p:pic>
+        <p:nvPicPr>
+          <p:cNvPr id="14" name="Picture 13">
+            <a:extLst>
+              <a:ext uri="{FF2B5EF4-FFF2-40B4-BE49-F238E27FC236}">
+                <a16:creationId xmlns:a16="http://schemas.microsoft.com/office/drawing/2014/main" id="{A1DF626E-45DA-4B8F-A16D-608A0640AF78}"/>
+              </a:ext>
+            </a:extLst>
+          </p:cNvPr>
+          <p:cNvPicPr>
+            <a:picLocks noChangeAspect="1"/>
+          </p:cNvPicPr>
+          <p:nvPr/>
+        </p:nvPicPr>
+        <p:blipFill>
+          <a:blip r:embed="rId4"/>
+          <a:stretch>
+            <a:fillRect/>
+          </a:stretch>
+        </p:blipFill>
+        <p:spPr>
+          <a:xfrm>
+            <a:off x="6452806" y="2962047"/>
+            <a:ext cx="5163935" cy="3442623"/>
+          </a:xfrm>
+          <a:prstGeom prst="rect">
+            <a:avLst/>
+          </a:prstGeom>
+        </p:spPr>
+      </p:pic>
+      <p:sp>
+        <p:nvSpPr>
+          <p:cNvPr id="4" name="TextBox 3">
+            <a:extLst>
+              <a:ext uri="{FF2B5EF4-FFF2-40B4-BE49-F238E27FC236}">
+                <a16:creationId xmlns:a16="http://schemas.microsoft.com/office/drawing/2014/main" id="{D31962CC-BF99-4E5B-8B7F-43B6142713CC}"/>
+              </a:ext>
+            </a:extLst>
+          </p:cNvPr>
+          <p:cNvSpPr txBox="1"/>
+          <p:nvPr/>
+        </p:nvSpPr>
+        <p:spPr>
+          <a:xfrm>
+            <a:off x="1222310" y="1670181"/>
+            <a:ext cx="9433249" cy="1477328"/>
+          </a:xfrm>
+          <a:prstGeom prst="rect">
+            <a:avLst/>
+          </a:prstGeom>
+          <a:noFill/>
+        </p:spPr>
+        <p:txBody>
+          <a:bodyPr wrap="square" rtlCol="0">
+            <a:spAutoFit/>
+          </a:bodyPr>
+          <a:lstStyle/>
+          <a:p>
+            <a:pPr marL="285750" indent="-285750">
+              <a:buFont typeface="Arial" panose="020B0604020202020204" pitchFamily="34" charset="0"/>
+              <a:buChar char="•"/>
+            </a:pPr>
+            <a:r>
+              <a:rPr lang="en-US" dirty="0"/>
+              <a:t>We utilized age and population data from the census </a:t>
+            </a:r>
+            <a:r>
+              <a:rPr lang="en-US" dirty="0" err="1"/>
+              <a:t>api</a:t>
+            </a:r>
+            <a:r>
+              <a:rPr lang="en-US" dirty="0"/>
+              <a:t> because we wanted to rule out the possibility of these variables affecting our hypothesis.</a:t>
+            </a:r>
+          </a:p>
+          <a:p>
+            <a:pPr marL="285750" indent="-285750">
+              <a:buFont typeface="Arial" panose="020B0604020202020204" pitchFamily="34" charset="0"/>
+              <a:buChar char="•"/>
+            </a:pPr>
+            <a:r>
+              <a:rPr lang="en-US" dirty="0"/>
+              <a:t>There does not appear to be a relationship between age or population, and percent change of per capita income from 2011 – 2016.</a:t>
+            </a:r>
+          </a:p>
+          <a:p>
+            <a:endParaRPr lang="en-US" dirty="0"/>
+          </a:p>
+        </p:txBody>
+      </p:sp>
+    </p:spTree>
+    <p:extLst>
+      <p:ext uri="{BB962C8B-B14F-4D97-AF65-F5344CB8AC3E}">
+        <p14:creationId xmlns:p14="http://schemas.microsoft.com/office/powerpoint/2010/main" val="492709746"/>
       </p:ext>
     </p:extLst>
   </p:cSld>
